--- a/WebApp.pptx
+++ b/WebApp.pptx
@@ -16,6 +16,7 @@
     <p:sldId id="263" r:id="rId10"/>
     <p:sldId id="264" r:id="rId11"/>
     <p:sldId id="266" r:id="rId12"/>
+    <p:sldId id="267" r:id="rId13"/>
   </p:sldIdLst>
   <p:sldSz cx="12192000" cy="6858000"/>
   <p:notesSz cx="6858000" cy="9144000"/>
@@ -3700,8 +3701,8 @@
         </p:nvSpPr>
         <p:spPr>
           <a:xfrm>
-            <a:off x="1349298" y="1561170"/>
-            <a:ext cx="7683190" cy="3418756"/>
+            <a:off x="1349297" y="1561170"/>
+            <a:ext cx="8831765" cy="3418756"/>
           </a:xfrm>
           <a:prstGeom prst="rect">
             <a:avLst/>
@@ -3757,7 +3758,7 @@
             </a:r>
             <a:r>
               <a:rPr lang="en-TW" sz="2800" dirty="0"/>
-              <a:t>dd the local file into the online repository</a:t>
+              <a:t>dd the local file into the online repository (SSH keys)</a:t>
             </a:r>
           </a:p>
           <a:p>
@@ -3783,6 +3784,193 @@
     <p:extLst>
       <p:ext uri="{BB962C8B-B14F-4D97-AF65-F5344CB8AC3E}">
         <p14:creationId xmlns:p14="http://schemas.microsoft.com/office/powerpoint/2010/main" val="2842470607"/>
+      </p:ext>
+    </p:extLst>
+  </p:cSld>
+  <p:clrMapOvr>
+    <a:masterClrMapping/>
+  </p:clrMapOvr>
+  <mc:AlternateContent xmlns:mc="http://schemas.openxmlformats.org/markup-compatibility/2006" xmlns:p159="http://schemas.microsoft.com/office/powerpoint/2015/09/main">
+    <mc:Choice Requires="p159">
+      <p:transition spd="med">
+        <p159:morph option="byObject"/>
+      </p:transition>
+    </mc:Choice>
+    <mc:Fallback xmlns="">
+      <p:transition spd="med">
+        <p:fade/>
+      </p:transition>
+    </mc:Fallback>
+  </mc:AlternateContent>
+</p:sld>
+</file>
+
+<file path=ppt/slides/slide12.xml><?xml version="1.0" encoding="utf-8"?>
+<p:sld xmlns:a="http://schemas.openxmlformats.org/drawingml/2006/main" xmlns:r="http://schemas.openxmlformats.org/officeDocument/2006/relationships" xmlns:p="http://schemas.openxmlformats.org/presentationml/2006/main">
+  <p:cSld>
+    <p:spTree>
+      <p:nvGrpSpPr>
+        <p:cNvPr id="1" name="">
+          <a:extLst>
+            <a:ext uri="{FF2B5EF4-FFF2-40B4-BE49-F238E27FC236}">
+              <a16:creationId xmlns:a16="http://schemas.microsoft.com/office/drawing/2014/main" id="{A5C6DCDB-F7EE-345E-7579-25600C3E58E2}"/>
+            </a:ext>
+          </a:extLst>
+        </p:cNvPr>
+        <p:cNvGrpSpPr/>
+        <p:nvPr/>
+      </p:nvGrpSpPr>
+      <p:grpSpPr>
+        <a:xfrm>
+          <a:off x="0" y="0"/>
+          <a:ext cx="0" cy="0"/>
+          <a:chOff x="0" y="0"/>
+          <a:chExt cx="0" cy="0"/>
+        </a:xfrm>
+      </p:grpSpPr>
+      <p:sp>
+        <p:nvSpPr>
+          <p:cNvPr id="13" name="Title 1">
+            <a:extLst>
+              <a:ext uri="{FF2B5EF4-FFF2-40B4-BE49-F238E27FC236}">
+                <a16:creationId xmlns:a16="http://schemas.microsoft.com/office/drawing/2014/main" id="{1D1C64D7-F7DF-8D8A-B5B6-E1CD52BF95E3}"/>
+              </a:ext>
+            </a:extLst>
+          </p:cNvPr>
+          <p:cNvSpPr txBox="1">
+            <a:spLocks/>
+          </p:cNvSpPr>
+          <p:nvPr/>
+        </p:nvSpPr>
+        <p:spPr>
+          <a:xfrm>
+            <a:off x="838200" y="16783"/>
+            <a:ext cx="10515600" cy="1325563"/>
+          </a:xfrm>
+          <a:prstGeom prst="rect">
+            <a:avLst/>
+          </a:prstGeom>
+        </p:spPr>
+        <p:txBody>
+          <a:bodyPr vert="horz" lIns="91440" tIns="45720" rIns="91440" bIns="45720" rtlCol="0" anchor="ctr">
+            <a:normAutofit/>
+          </a:bodyPr>
+          <a:lstStyle>
+            <a:lvl1pPr algn="l" defTabSz="914400" rtl="0" eaLnBrk="1" latinLnBrk="0" hangingPunct="1">
+              <a:lnSpc>
+                <a:spcPct val="90000"/>
+              </a:lnSpc>
+              <a:spcBef>
+                <a:spcPct val="0"/>
+              </a:spcBef>
+              <a:buNone/>
+              <a:defRPr sz="4400" kern="1200">
+                <a:solidFill>
+                  <a:schemeClr val="tx1"/>
+                </a:solidFill>
+                <a:latin typeface="+mj-lt"/>
+                <a:ea typeface="+mj-ea"/>
+                <a:cs typeface="+mj-cs"/>
+              </a:defRPr>
+            </a:lvl1pPr>
+          </a:lstStyle>
+          <a:p>
+            <a:r>
+              <a:rPr lang="en-TW" b="1" dirty="0"/>
+              <a:t>Vercel deplyment</a:t>
+            </a:r>
+          </a:p>
+        </p:txBody>
+      </p:sp>
+      <p:pic>
+        <p:nvPicPr>
+          <p:cNvPr id="2" name="Picture 2" descr="Vercel: What is it and what is it for?">
+            <a:extLst>
+              <a:ext uri="{FF2B5EF4-FFF2-40B4-BE49-F238E27FC236}">
+                <a16:creationId xmlns:a16="http://schemas.microsoft.com/office/drawing/2014/main" id="{E630B7E5-2A23-3C5C-A045-A110BDCCB881}"/>
+              </a:ext>
+            </a:extLst>
+          </p:cNvPr>
+          <p:cNvPicPr>
+            <a:picLocks noChangeAspect="1" noChangeArrowheads="1"/>
+          </p:cNvPicPr>
+          <p:nvPr/>
+        </p:nvPicPr>
+        <p:blipFill>
+          <a:blip r:embed="rId2">
+            <a:extLst>
+              <a:ext uri="{28A0092B-C50C-407E-A947-70E740481C1C}">
+                <a14:useLocalDpi xmlns:a14="http://schemas.microsoft.com/office/drawing/2010/main" val="0"/>
+              </a:ext>
+            </a:extLst>
+          </a:blip>
+          <a:srcRect/>
+          <a:stretch>
+            <a:fillRect/>
+          </a:stretch>
+        </p:blipFill>
+        <p:spPr bwMode="auto">
+          <a:xfrm>
+            <a:off x="8678080" y="0"/>
+            <a:ext cx="3067870" cy="1953941"/>
+          </a:xfrm>
+          <a:prstGeom prst="rect">
+            <a:avLst/>
+          </a:prstGeom>
+          <a:noFill/>
+          <a:extLst>
+            <a:ext uri="{909E8E84-426E-40DD-AFC4-6F175D3DCCD1}">
+              <a14:hiddenFill xmlns:a14="http://schemas.microsoft.com/office/drawing/2010/main">
+                <a:solidFill>
+                  <a:srgbClr val="FFFFFF"/>
+                </a:solidFill>
+              </a14:hiddenFill>
+            </a:ext>
+          </a:extLst>
+        </p:spPr>
+      </p:pic>
+      <p:sp>
+        <p:nvSpPr>
+          <p:cNvPr id="5" name="TextBox 4">
+            <a:extLst>
+              <a:ext uri="{FF2B5EF4-FFF2-40B4-BE49-F238E27FC236}">
+                <a16:creationId xmlns:a16="http://schemas.microsoft.com/office/drawing/2014/main" id="{E4C01FB1-AF3D-1F26-5EB7-E7B10F1F9605}"/>
+              </a:ext>
+            </a:extLst>
+          </p:cNvPr>
+          <p:cNvSpPr txBox="1"/>
+          <p:nvPr/>
+        </p:nvSpPr>
+        <p:spPr>
+          <a:xfrm>
+            <a:off x="5097489" y="3136612"/>
+            <a:ext cx="1997022" cy="584775"/>
+          </a:xfrm>
+          <a:prstGeom prst="rect">
+            <a:avLst/>
+          </a:prstGeom>
+          <a:noFill/>
+        </p:spPr>
+        <p:txBody>
+          <a:bodyPr wrap="none" rtlCol="0">
+            <a:spAutoFit/>
+          </a:bodyPr>
+          <a:lstStyle/>
+          <a:p>
+            <a:r>
+              <a:rPr lang="en-US" sz="3200" dirty="0">
+                <a:hlinkClick r:id="rId3"/>
+              </a:rPr>
+              <a:t>vercel.com</a:t>
+            </a:r>
+            <a:endParaRPr lang="en-TW" sz="3200" dirty="0"/>
+          </a:p>
+        </p:txBody>
+      </p:sp>
+    </p:spTree>
+    <p:extLst>
+      <p:ext uri="{BB962C8B-B14F-4D97-AF65-F5344CB8AC3E}">
+        <p14:creationId xmlns:p14="http://schemas.microsoft.com/office/powerpoint/2010/main" val="3264971259"/>
       </p:ext>
     </p:extLst>
   </p:cSld>

--- a/WebApp.pptx
+++ b/WebApp.pptx
@@ -6,17 +6,16 @@
   </p:sldMasterIdLst>
   <p:sldIdLst>
     <p:sldId id="256" r:id="rId2"/>
-    <p:sldId id="265" r:id="rId3"/>
-    <p:sldId id="257" r:id="rId4"/>
-    <p:sldId id="258" r:id="rId5"/>
-    <p:sldId id="259" r:id="rId6"/>
-    <p:sldId id="262" r:id="rId7"/>
-    <p:sldId id="261" r:id="rId8"/>
-    <p:sldId id="260" r:id="rId9"/>
-    <p:sldId id="263" r:id="rId10"/>
-    <p:sldId id="264" r:id="rId11"/>
-    <p:sldId id="266" r:id="rId12"/>
-    <p:sldId id="267" r:id="rId13"/>
+    <p:sldId id="257" r:id="rId3"/>
+    <p:sldId id="258" r:id="rId4"/>
+    <p:sldId id="259" r:id="rId5"/>
+    <p:sldId id="262" r:id="rId6"/>
+    <p:sldId id="261" r:id="rId7"/>
+    <p:sldId id="260" r:id="rId8"/>
+    <p:sldId id="263" r:id="rId9"/>
+    <p:sldId id="264" r:id="rId10"/>
+    <p:sldId id="266" r:id="rId11"/>
+    <p:sldId id="267" r:id="rId12"/>
   </p:sldIdLst>
   <p:sldSz cx="12192000" cy="6858000"/>
   <p:notesSz cx="6858000" cy="9144000"/>
@@ -3447,7 +3446,7 @@
         <p:cNvPr id="1" name="">
           <a:extLst>
             <a:ext uri="{FF2B5EF4-FFF2-40B4-BE49-F238E27FC236}">
-              <a16:creationId xmlns:a16="http://schemas.microsoft.com/office/drawing/2014/main" id="{3939912A-D399-DCBC-3063-0FA7D60118C2}"/>
+              <a16:creationId xmlns:a16="http://schemas.microsoft.com/office/drawing/2014/main" id="{622F193C-2B0D-00A7-F711-349CB89D7328}"/>
             </a:ext>
           </a:extLst>
         </p:cNvPr>
@@ -3467,7 +3466,7 @@
           <p:cNvPr id="13" name="Title 1">
             <a:extLst>
               <a:ext uri="{FF2B5EF4-FFF2-40B4-BE49-F238E27FC236}">
-                <a16:creationId xmlns:a16="http://schemas.microsoft.com/office/drawing/2014/main" id="{E19F00E0-573C-4D2F-597F-AD4E829EB3F9}"/>
+                <a16:creationId xmlns:a16="http://schemas.microsoft.com/office/drawing/2014/main" id="{1EB4311C-3D61-97C9-BEB0-48EB37F560BF}"/>
               </a:ext>
             </a:extLst>
           </p:cNvPr>
@@ -3511,17 +3510,17 @@
           <a:p>
             <a:r>
               <a:rPr lang="en-TW" b="1" dirty="0"/>
-              <a:t>Useful Tool</a:t>
-            </a:r>
-          </a:p>
-        </p:txBody>
-      </p:sp>
-      <p:sp>
-        <p:nvSpPr>
-          <p:cNvPr id="2" name="TextBox 1">
-            <a:extLst>
-              <a:ext uri="{FF2B5EF4-FFF2-40B4-BE49-F238E27FC236}">
-                <a16:creationId xmlns:a16="http://schemas.microsoft.com/office/drawing/2014/main" id="{2E6E3E0F-E1D2-C0E5-B61D-0287C810B144}"/>
+              <a:t>Github</a:t>
+            </a:r>
+          </a:p>
+        </p:txBody>
+      </p:sp>
+      <p:sp>
+        <p:nvSpPr>
+          <p:cNvPr id="3" name="TextBox 2">
+            <a:extLst>
+              <a:ext uri="{FF2B5EF4-FFF2-40B4-BE49-F238E27FC236}">
+                <a16:creationId xmlns:a16="http://schemas.microsoft.com/office/drawing/2014/main" id="{D8817933-7625-24B6-E013-252207EB4B8B}"/>
               </a:ext>
             </a:extLst>
           </p:cNvPr>
@@ -3530,8 +3529,8 @@
         </p:nvSpPr>
         <p:spPr>
           <a:xfrm>
-            <a:off x="1349298" y="1561170"/>
-            <a:ext cx="4382428" cy="2556982"/>
+            <a:off x="1349297" y="1561170"/>
+            <a:ext cx="8831765" cy="3418756"/>
           </a:xfrm>
           <a:prstGeom prst="rect">
             <a:avLst/>
@@ -3544,7 +3543,7 @@
           </a:bodyPr>
           <a:lstStyle/>
           <a:p>
-            <a:pPr marL="285750" indent="-285750">
+            <a:pPr marL="457200" indent="-457200">
               <a:lnSpc>
                 <a:spcPct val="200000"/>
               </a:lnSpc>
@@ -3553,11 +3552,11 @@
             </a:pPr>
             <a:r>
               <a:rPr lang="en-TW" sz="2800" dirty="0"/>
-              <a:t>Tailwind CSS</a:t>
-            </a:r>
-          </a:p>
-          <a:p>
-            <a:pPr marL="285750" indent="-285750">
+              <a:t>Create personal account</a:t>
+            </a:r>
+          </a:p>
+          <a:p>
+            <a:pPr marL="457200" indent="-457200">
               <a:lnSpc>
                 <a:spcPct val="200000"/>
               </a:lnSpc>
@@ -3565,12 +3564,16 @@
               <a:buChar char="•"/>
             </a:pPr>
             <a:r>
+              <a:rPr lang="en-US" sz="2800" dirty="0"/>
+              <a:t>C</a:t>
+            </a:r>
+            <a:r>
               <a:rPr lang="en-TW" sz="2800" dirty="0"/>
-              <a:t>Material UI</a:t>
-            </a:r>
-          </a:p>
-          <a:p>
-            <a:pPr marL="285750" indent="-285750">
+              <a:t>reate a new repository</a:t>
+            </a:r>
+          </a:p>
+          <a:p>
+            <a:pPr marL="457200" indent="-457200">
               <a:lnSpc>
                 <a:spcPct val="200000"/>
               </a:lnSpc>
@@ -3578,17 +3581,37 @@
               <a:buChar char="•"/>
             </a:pPr>
             <a:r>
-              <a:rPr lang="en-US" sz="2800" dirty="0" err="1"/>
-              <a:t>Neumorphism.io</a:t>
-            </a:r>
-            <a:endParaRPr lang="en-TW" sz="2800" dirty="0"/>
+              <a:rPr lang="en-US" sz="2800" dirty="0"/>
+              <a:t>A</a:t>
+            </a:r>
+            <a:r>
+              <a:rPr lang="en-TW" sz="2800" dirty="0"/>
+              <a:t>dd the local file into the online repository (SSH keys)</a:t>
+            </a:r>
+          </a:p>
+          <a:p>
+            <a:pPr marL="457200" indent="-457200">
+              <a:lnSpc>
+                <a:spcPct val="200000"/>
+              </a:lnSpc>
+              <a:buFont typeface="Arial" panose="020B0604020202020204" pitchFamily="34" charset="0"/>
+              <a:buChar char="•"/>
+            </a:pPr>
+            <a:r>
+              <a:rPr lang="en-US" sz="2800" dirty="0"/>
+              <a:t>F</a:t>
+            </a:r>
+            <a:r>
+              <a:rPr lang="en-TW" sz="2800" dirty="0"/>
+              <a:t>inshed!</a:t>
+            </a:r>
           </a:p>
         </p:txBody>
       </p:sp>
     </p:spTree>
     <p:extLst>
       <p:ext uri="{BB962C8B-B14F-4D97-AF65-F5344CB8AC3E}">
-        <p14:creationId xmlns:p14="http://schemas.microsoft.com/office/powerpoint/2010/main" val="2833631002"/>
+        <p14:creationId xmlns:p14="http://schemas.microsoft.com/office/powerpoint/2010/main" val="2842470607"/>
       </p:ext>
     </p:extLst>
   </p:cSld>
@@ -3618,7 +3641,7 @@
         <p:cNvPr id="1" name="">
           <a:extLst>
             <a:ext uri="{FF2B5EF4-FFF2-40B4-BE49-F238E27FC236}">
-              <a16:creationId xmlns:a16="http://schemas.microsoft.com/office/drawing/2014/main" id="{622F193C-2B0D-00A7-F711-349CB89D7328}"/>
+              <a16:creationId xmlns:a16="http://schemas.microsoft.com/office/drawing/2014/main" id="{A5C6DCDB-F7EE-345E-7579-25600C3E58E2}"/>
             </a:ext>
           </a:extLst>
         </p:cNvPr>
@@ -3638,7 +3661,7 @@
           <p:cNvPr id="13" name="Title 1">
             <a:extLst>
               <a:ext uri="{FF2B5EF4-FFF2-40B4-BE49-F238E27FC236}">
-                <a16:creationId xmlns:a16="http://schemas.microsoft.com/office/drawing/2014/main" id="{1EB4311C-3D61-97C9-BEB0-48EB37F560BF}"/>
+                <a16:creationId xmlns:a16="http://schemas.microsoft.com/office/drawing/2014/main" id="{1D1C64D7-F7DF-8D8A-B5B6-E1CD52BF95E3}"/>
               </a:ext>
             </a:extLst>
           </p:cNvPr>
@@ -3682,202 +3705,7 @@
           <a:p>
             <a:r>
               <a:rPr lang="en-TW" b="1" dirty="0"/>
-              <a:t>Github</a:t>
-            </a:r>
-          </a:p>
-        </p:txBody>
-      </p:sp>
-      <p:sp>
-        <p:nvSpPr>
-          <p:cNvPr id="3" name="TextBox 2">
-            <a:extLst>
-              <a:ext uri="{FF2B5EF4-FFF2-40B4-BE49-F238E27FC236}">
-                <a16:creationId xmlns:a16="http://schemas.microsoft.com/office/drawing/2014/main" id="{D8817933-7625-24B6-E013-252207EB4B8B}"/>
-              </a:ext>
-            </a:extLst>
-          </p:cNvPr>
-          <p:cNvSpPr txBox="1"/>
-          <p:nvPr/>
-        </p:nvSpPr>
-        <p:spPr>
-          <a:xfrm>
-            <a:off x="1349297" y="1561170"/>
-            <a:ext cx="8831765" cy="3418756"/>
-          </a:xfrm>
-          <a:prstGeom prst="rect">
-            <a:avLst/>
-          </a:prstGeom>
-          <a:noFill/>
-        </p:spPr>
-        <p:txBody>
-          <a:bodyPr wrap="square" rtlCol="0">
-            <a:spAutoFit/>
-          </a:bodyPr>
-          <a:lstStyle/>
-          <a:p>
-            <a:pPr marL="457200" indent="-457200">
-              <a:lnSpc>
-                <a:spcPct val="200000"/>
-              </a:lnSpc>
-              <a:buFont typeface="Arial" panose="020B0604020202020204" pitchFamily="34" charset="0"/>
-              <a:buChar char="•"/>
-            </a:pPr>
-            <a:r>
-              <a:rPr lang="en-TW" sz="2800" dirty="0"/>
-              <a:t>Create personal account</a:t>
-            </a:r>
-          </a:p>
-          <a:p>
-            <a:pPr marL="457200" indent="-457200">
-              <a:lnSpc>
-                <a:spcPct val="200000"/>
-              </a:lnSpc>
-              <a:buFont typeface="Arial" panose="020B0604020202020204" pitchFamily="34" charset="0"/>
-              <a:buChar char="•"/>
-            </a:pPr>
-            <a:r>
-              <a:rPr lang="en-US" sz="2800" dirty="0"/>
-              <a:t>C</a:t>
-            </a:r>
-            <a:r>
-              <a:rPr lang="en-TW" sz="2800" dirty="0"/>
-              <a:t>reate a new repository</a:t>
-            </a:r>
-          </a:p>
-          <a:p>
-            <a:pPr marL="457200" indent="-457200">
-              <a:lnSpc>
-                <a:spcPct val="200000"/>
-              </a:lnSpc>
-              <a:buFont typeface="Arial" panose="020B0604020202020204" pitchFamily="34" charset="0"/>
-              <a:buChar char="•"/>
-            </a:pPr>
-            <a:r>
-              <a:rPr lang="en-US" sz="2800" dirty="0"/>
-              <a:t>A</a:t>
-            </a:r>
-            <a:r>
-              <a:rPr lang="en-TW" sz="2800" dirty="0"/>
-              <a:t>dd the local file into the online repository (SSH keys)</a:t>
-            </a:r>
-          </a:p>
-          <a:p>
-            <a:pPr marL="457200" indent="-457200">
-              <a:lnSpc>
-                <a:spcPct val="200000"/>
-              </a:lnSpc>
-              <a:buFont typeface="Arial" panose="020B0604020202020204" pitchFamily="34" charset="0"/>
-              <a:buChar char="•"/>
-            </a:pPr>
-            <a:r>
-              <a:rPr lang="en-US" sz="2800" dirty="0"/>
-              <a:t>F</a:t>
-            </a:r>
-            <a:r>
-              <a:rPr lang="en-TW" sz="2800" dirty="0"/>
-              <a:t>inshed!</a:t>
-            </a:r>
-          </a:p>
-        </p:txBody>
-      </p:sp>
-    </p:spTree>
-    <p:extLst>
-      <p:ext uri="{BB962C8B-B14F-4D97-AF65-F5344CB8AC3E}">
-        <p14:creationId xmlns:p14="http://schemas.microsoft.com/office/powerpoint/2010/main" val="2842470607"/>
-      </p:ext>
-    </p:extLst>
-  </p:cSld>
-  <p:clrMapOvr>
-    <a:masterClrMapping/>
-  </p:clrMapOvr>
-  <mc:AlternateContent xmlns:mc="http://schemas.openxmlformats.org/markup-compatibility/2006" xmlns:p159="http://schemas.microsoft.com/office/powerpoint/2015/09/main">
-    <mc:Choice Requires="p159">
-      <p:transition spd="med">
-        <p159:morph option="byObject"/>
-      </p:transition>
-    </mc:Choice>
-    <mc:Fallback xmlns="">
-      <p:transition spd="med">
-        <p:fade/>
-      </p:transition>
-    </mc:Fallback>
-  </mc:AlternateContent>
-</p:sld>
-</file>
-
-<file path=ppt/slides/slide12.xml><?xml version="1.0" encoding="utf-8"?>
-<p:sld xmlns:a="http://schemas.openxmlformats.org/drawingml/2006/main" xmlns:r="http://schemas.openxmlformats.org/officeDocument/2006/relationships" xmlns:p="http://schemas.openxmlformats.org/presentationml/2006/main">
-  <p:cSld>
-    <p:spTree>
-      <p:nvGrpSpPr>
-        <p:cNvPr id="1" name="">
-          <a:extLst>
-            <a:ext uri="{FF2B5EF4-FFF2-40B4-BE49-F238E27FC236}">
-              <a16:creationId xmlns:a16="http://schemas.microsoft.com/office/drawing/2014/main" id="{A5C6DCDB-F7EE-345E-7579-25600C3E58E2}"/>
-            </a:ext>
-          </a:extLst>
-        </p:cNvPr>
-        <p:cNvGrpSpPr/>
-        <p:nvPr/>
-      </p:nvGrpSpPr>
-      <p:grpSpPr>
-        <a:xfrm>
-          <a:off x="0" y="0"/>
-          <a:ext cx="0" cy="0"/>
-          <a:chOff x="0" y="0"/>
-          <a:chExt cx="0" cy="0"/>
-        </a:xfrm>
-      </p:grpSpPr>
-      <p:sp>
-        <p:nvSpPr>
-          <p:cNvPr id="13" name="Title 1">
-            <a:extLst>
-              <a:ext uri="{FF2B5EF4-FFF2-40B4-BE49-F238E27FC236}">
-                <a16:creationId xmlns:a16="http://schemas.microsoft.com/office/drawing/2014/main" id="{1D1C64D7-F7DF-8D8A-B5B6-E1CD52BF95E3}"/>
-              </a:ext>
-            </a:extLst>
-          </p:cNvPr>
-          <p:cNvSpPr txBox="1">
-            <a:spLocks/>
-          </p:cNvSpPr>
-          <p:nvPr/>
-        </p:nvSpPr>
-        <p:spPr>
-          <a:xfrm>
-            <a:off x="838200" y="16783"/>
-            <a:ext cx="10515600" cy="1325563"/>
-          </a:xfrm>
-          <a:prstGeom prst="rect">
-            <a:avLst/>
-          </a:prstGeom>
-        </p:spPr>
-        <p:txBody>
-          <a:bodyPr vert="horz" lIns="91440" tIns="45720" rIns="91440" bIns="45720" rtlCol="0" anchor="ctr">
-            <a:normAutofit/>
-          </a:bodyPr>
-          <a:lstStyle>
-            <a:lvl1pPr algn="l" defTabSz="914400" rtl="0" eaLnBrk="1" latinLnBrk="0" hangingPunct="1">
-              <a:lnSpc>
-                <a:spcPct val="90000"/>
-              </a:lnSpc>
-              <a:spcBef>
-                <a:spcPct val="0"/>
-              </a:spcBef>
-              <a:buNone/>
-              <a:defRPr sz="4400" kern="1200">
-                <a:solidFill>
-                  <a:schemeClr val="tx1"/>
-                </a:solidFill>
-                <a:latin typeface="+mj-lt"/>
-                <a:ea typeface="+mj-ea"/>
-                <a:cs typeface="+mj-cs"/>
-              </a:defRPr>
-            </a:lvl1pPr>
-          </a:lstStyle>
-          <a:p>
-            <a:r>
-              <a:rPr lang="en-TW" b="1" dirty="0"/>
-              <a:t>Vercel deplyment</a:t>
+              <a:t>Vercel deployment</a:t>
             </a:r>
           </a:p>
         </p:txBody>
@@ -3911,7 +3739,7 @@
         </p:blipFill>
         <p:spPr bwMode="auto">
           <a:xfrm>
-            <a:off x="8678080" y="0"/>
+            <a:off x="4405948" y="1906859"/>
             <a:ext cx="3067870" cy="1953941"/>
           </a:xfrm>
           <a:prstGeom prst="rect">
@@ -3993,92 +3821,6 @@
 </file>
 
 <file path=ppt/slides/slide2.xml><?xml version="1.0" encoding="utf-8"?>
-<p:sld xmlns:a="http://schemas.openxmlformats.org/drawingml/2006/main" xmlns:r="http://schemas.openxmlformats.org/officeDocument/2006/relationships" xmlns:p="http://schemas.openxmlformats.org/presentationml/2006/main">
-  <p:cSld>
-    <p:spTree>
-      <p:nvGrpSpPr>
-        <p:cNvPr id="1" name="">
-          <a:extLst>
-            <a:ext uri="{FF2B5EF4-FFF2-40B4-BE49-F238E27FC236}">
-              <a16:creationId xmlns:a16="http://schemas.microsoft.com/office/drawing/2014/main" id="{178B7FF5-54FD-107B-D16A-EB44752844A3}"/>
-            </a:ext>
-          </a:extLst>
-        </p:cNvPr>
-        <p:cNvGrpSpPr/>
-        <p:nvPr/>
-      </p:nvGrpSpPr>
-      <p:grpSpPr>
-        <a:xfrm>
-          <a:off x="0" y="0"/>
-          <a:ext cx="0" cy="0"/>
-          <a:chOff x="0" y="0"/>
-          <a:chExt cx="0" cy="0"/>
-        </a:xfrm>
-      </p:grpSpPr>
-      <p:sp>
-        <p:nvSpPr>
-          <p:cNvPr id="2" name="Title 1">
-            <a:extLst>
-              <a:ext uri="{FF2B5EF4-FFF2-40B4-BE49-F238E27FC236}">
-                <a16:creationId xmlns:a16="http://schemas.microsoft.com/office/drawing/2014/main" id="{AFD95611-FC45-2D49-90A8-C600E30C7243}"/>
-              </a:ext>
-            </a:extLst>
-          </p:cNvPr>
-          <p:cNvSpPr>
-            <a:spLocks noGrp="1"/>
-          </p:cNvSpPr>
-          <p:nvPr>
-            <p:ph type="ctrTitle"/>
-          </p:nvPr>
-        </p:nvSpPr>
-        <p:spPr>
-          <a:xfrm>
-            <a:off x="3962400" y="2787804"/>
-            <a:ext cx="4267200" cy="1023241"/>
-          </a:xfrm>
-        </p:spPr>
-        <p:txBody>
-          <a:bodyPr>
-            <a:normAutofit/>
-          </a:bodyPr>
-          <a:lstStyle/>
-          <a:p>
-            <a:r>
-              <a:rPr lang="en-US" sz="4400" dirty="0">
-                <a:hlinkClick r:id="rId2"/>
-              </a:rPr>
-              <a:t>Google drive</a:t>
-            </a:r>
-            <a:endParaRPr lang="en-TW" sz="4400" dirty="0"/>
-          </a:p>
-        </p:txBody>
-      </p:sp>
-    </p:spTree>
-    <p:extLst>
-      <p:ext uri="{BB962C8B-B14F-4D97-AF65-F5344CB8AC3E}">
-        <p14:creationId xmlns:p14="http://schemas.microsoft.com/office/powerpoint/2010/main" val="1292228246"/>
-      </p:ext>
-    </p:extLst>
-  </p:cSld>
-  <p:clrMapOvr>
-    <a:masterClrMapping/>
-  </p:clrMapOvr>
-  <mc:AlternateContent xmlns:mc="http://schemas.openxmlformats.org/markup-compatibility/2006" xmlns:p159="http://schemas.microsoft.com/office/powerpoint/2015/09/main">
-    <mc:Choice Requires="p159">
-      <p:transition spd="med">
-        <p159:morph option="byObject"/>
-      </p:transition>
-    </mc:Choice>
-    <mc:Fallback xmlns="">
-      <p:transition spd="med">
-        <p:fade/>
-      </p:transition>
-    </mc:Fallback>
-  </mc:AlternateContent>
-</p:sld>
-</file>
-
-<file path=ppt/slides/slide3.xml><?xml version="1.0" encoding="utf-8"?>
 <p:sld xmlns:a="http://schemas.openxmlformats.org/drawingml/2006/main" xmlns:r="http://schemas.openxmlformats.org/officeDocument/2006/relationships" xmlns:p="http://schemas.openxmlformats.org/presentationml/2006/main">
   <p:cSld>
     <p:spTree>
@@ -5566,7 +5308,7 @@
 </p:sld>
 </file>
 
-<file path=ppt/slides/slide4.xml><?xml version="1.0" encoding="utf-8"?>
+<file path=ppt/slides/slide3.xml><?xml version="1.0" encoding="utf-8"?>
 <p:sld xmlns:a="http://schemas.openxmlformats.org/drawingml/2006/main" xmlns:r="http://schemas.openxmlformats.org/officeDocument/2006/relationships" xmlns:p="http://schemas.openxmlformats.org/presentationml/2006/main">
   <p:cSld>
     <p:spTree>
@@ -6540,7 +6282,7 @@
 </p:sld>
 </file>
 
-<file path=ppt/slides/slide5.xml><?xml version="1.0" encoding="utf-8"?>
+<file path=ppt/slides/slide4.xml><?xml version="1.0" encoding="utf-8"?>
 <p:sld xmlns:a="http://schemas.openxmlformats.org/drawingml/2006/main" xmlns:r="http://schemas.openxmlformats.org/officeDocument/2006/relationships" xmlns:p="http://schemas.openxmlformats.org/presentationml/2006/main">
   <p:cSld>
     <p:spTree>
@@ -6657,6 +6399,155 @@
     <p:extLst>
       <p:ext uri="{BB962C8B-B14F-4D97-AF65-F5344CB8AC3E}">
         <p14:creationId xmlns:p14="http://schemas.microsoft.com/office/powerpoint/2010/main" val="1309904269"/>
+      </p:ext>
+    </p:extLst>
+  </p:cSld>
+  <p:clrMapOvr>
+    <a:masterClrMapping/>
+  </p:clrMapOvr>
+  <mc:AlternateContent xmlns:mc="http://schemas.openxmlformats.org/markup-compatibility/2006" xmlns:p159="http://schemas.microsoft.com/office/powerpoint/2015/09/main">
+    <mc:Choice Requires="p159">
+      <p:transition spd="med">
+        <p159:morph option="byObject"/>
+      </p:transition>
+    </mc:Choice>
+    <mc:Fallback xmlns="">
+      <p:transition spd="med">
+        <p:fade/>
+      </p:transition>
+    </mc:Fallback>
+  </mc:AlternateContent>
+</p:sld>
+</file>
+
+<file path=ppt/slides/slide5.xml><?xml version="1.0" encoding="utf-8"?>
+<p:sld xmlns:a="http://schemas.openxmlformats.org/drawingml/2006/main" xmlns:r="http://schemas.openxmlformats.org/officeDocument/2006/relationships" xmlns:p="http://schemas.openxmlformats.org/presentationml/2006/main">
+  <p:cSld>
+    <p:spTree>
+      <p:nvGrpSpPr>
+        <p:cNvPr id="1" name="">
+          <a:extLst>
+            <a:ext uri="{FF2B5EF4-FFF2-40B4-BE49-F238E27FC236}">
+              <a16:creationId xmlns:a16="http://schemas.microsoft.com/office/drawing/2014/main" id="{13824E5C-5D6B-778D-C76D-F5D57A876F9C}"/>
+            </a:ext>
+          </a:extLst>
+        </p:cNvPr>
+        <p:cNvGrpSpPr/>
+        <p:nvPr/>
+      </p:nvGrpSpPr>
+      <p:grpSpPr>
+        <a:xfrm>
+          <a:off x="0" y="0"/>
+          <a:ext cx="0" cy="0"/>
+          <a:chOff x="0" y="0"/>
+          <a:chExt cx="0" cy="0"/>
+        </a:xfrm>
+      </p:grpSpPr>
+      <p:sp>
+        <p:nvSpPr>
+          <p:cNvPr id="13" name="Title 1">
+            <a:extLst>
+              <a:ext uri="{FF2B5EF4-FFF2-40B4-BE49-F238E27FC236}">
+                <a16:creationId xmlns:a16="http://schemas.microsoft.com/office/drawing/2014/main" id="{9A00FAB7-2601-18FE-3CFD-168B8448D921}"/>
+              </a:ext>
+            </a:extLst>
+          </p:cNvPr>
+          <p:cNvSpPr txBox="1">
+            <a:spLocks/>
+          </p:cNvSpPr>
+          <p:nvPr/>
+        </p:nvSpPr>
+        <p:spPr>
+          <a:xfrm>
+            <a:off x="838200" y="16783"/>
+            <a:ext cx="10515600" cy="1325563"/>
+          </a:xfrm>
+          <a:prstGeom prst="rect">
+            <a:avLst/>
+          </a:prstGeom>
+        </p:spPr>
+        <p:txBody>
+          <a:bodyPr vert="horz" lIns="91440" tIns="45720" rIns="91440" bIns="45720" rtlCol="0" anchor="ctr">
+            <a:normAutofit/>
+          </a:bodyPr>
+          <a:lstStyle>
+            <a:lvl1pPr algn="l" defTabSz="914400" rtl="0" eaLnBrk="1" latinLnBrk="0" hangingPunct="1">
+              <a:lnSpc>
+                <a:spcPct val="90000"/>
+              </a:lnSpc>
+              <a:spcBef>
+                <a:spcPct val="0"/>
+              </a:spcBef>
+              <a:buNone/>
+              <a:defRPr sz="4400" kern="1200">
+                <a:solidFill>
+                  <a:schemeClr val="tx1"/>
+                </a:solidFill>
+                <a:latin typeface="+mj-lt"/>
+                <a:ea typeface="+mj-ea"/>
+                <a:cs typeface="+mj-cs"/>
+              </a:defRPr>
+            </a:lvl1pPr>
+          </a:lstStyle>
+          <a:p>
+            <a:r>
+              <a:rPr lang="en-TW" b="1" dirty="0"/>
+              <a:t>Frontend v.s. Backend</a:t>
+            </a:r>
+          </a:p>
+        </p:txBody>
+      </p:sp>
+      <p:pic>
+        <p:nvPicPr>
+          <p:cNvPr id="7170" name="Picture 2" descr="Building a Strong Foundation as a Backend Developer | Stackademic">
+            <a:extLst>
+              <a:ext uri="{FF2B5EF4-FFF2-40B4-BE49-F238E27FC236}">
+                <a16:creationId xmlns:a16="http://schemas.microsoft.com/office/drawing/2014/main" id="{C39E317A-EDF4-CDD7-349A-D1AB4360CF58}"/>
+              </a:ext>
+            </a:extLst>
+          </p:cNvPr>
+          <p:cNvPicPr>
+            <a:picLocks noChangeAspect="1" noChangeArrowheads="1"/>
+          </p:cNvPicPr>
+          <p:nvPr/>
+        </p:nvPicPr>
+        <p:blipFill>
+          <a:blip r:embed="rId2">
+            <a:extLst>
+              <a:ext uri="{28A0092B-C50C-407E-A947-70E740481C1C}">
+                <a14:useLocalDpi xmlns:a14="http://schemas.microsoft.com/office/drawing/2010/main" val="0"/>
+              </a:ext>
+            </a:extLst>
+          </a:blip>
+          <a:srcRect/>
+          <a:stretch>
+            <a:fillRect/>
+          </a:stretch>
+        </p:blipFill>
+        <p:spPr bwMode="auto">
+          <a:xfrm>
+            <a:off x="1351620" y="1233836"/>
+            <a:ext cx="9488759" cy="5155559"/>
+          </a:xfrm>
+          <a:prstGeom prst="rect">
+            <a:avLst/>
+          </a:prstGeom>
+          <a:noFill/>
+          <a:extLst>
+            <a:ext uri="{909E8E84-426E-40DD-AFC4-6F175D3DCCD1}">
+              <a14:hiddenFill xmlns:a14="http://schemas.microsoft.com/office/drawing/2010/main">
+                <a:solidFill>
+                  <a:srgbClr val="FFFFFF"/>
+                </a:solidFill>
+              </a14:hiddenFill>
+            </a:ext>
+          </a:extLst>
+        </p:spPr>
+      </p:pic>
+    </p:spTree>
+    <p:extLst>
+      <p:ext uri="{BB962C8B-B14F-4D97-AF65-F5344CB8AC3E}">
+        <p14:creationId xmlns:p14="http://schemas.microsoft.com/office/powerpoint/2010/main" val="2284329136"/>
       </p:ext>
     </p:extLst>
   </p:cSld>
@@ -6686,7 +6577,7 @@
         <p:cNvPr id="1" name="">
           <a:extLst>
             <a:ext uri="{FF2B5EF4-FFF2-40B4-BE49-F238E27FC236}">
-              <a16:creationId xmlns:a16="http://schemas.microsoft.com/office/drawing/2014/main" id="{13824E5C-5D6B-778D-C76D-F5D57A876F9C}"/>
+              <a16:creationId xmlns:a16="http://schemas.microsoft.com/office/drawing/2014/main" id="{1D5EA704-EB9A-232A-DEA9-CB29BE3967E1}"/>
             </a:ext>
           </a:extLst>
         </p:cNvPr>
@@ -6703,10 +6594,65 @@
       </p:grpSpPr>
       <p:sp>
         <p:nvSpPr>
+          <p:cNvPr id="23" name="Rounded Rectangle 22">
+            <a:extLst>
+              <a:ext uri="{FF2B5EF4-FFF2-40B4-BE49-F238E27FC236}">
+                <a16:creationId xmlns:a16="http://schemas.microsoft.com/office/drawing/2014/main" id="{67A4F1BB-CEB8-6539-C33B-05F0FAAC6CB0}"/>
+              </a:ext>
+            </a:extLst>
+          </p:cNvPr>
+          <p:cNvSpPr/>
+          <p:nvPr/>
+        </p:nvSpPr>
+        <p:spPr>
+          <a:xfrm>
+            <a:off x="3570514" y="1066800"/>
+            <a:ext cx="5050972" cy="1937657"/>
+          </a:xfrm>
+          <a:prstGeom prst="roundRect">
+            <a:avLst/>
+          </a:prstGeom>
+          <a:noFill/>
+          <a:ln w="38100">
+            <a:solidFill>
+              <a:schemeClr val="tx1">
+                <a:lumMod val="75000"/>
+                <a:lumOff val="25000"/>
+              </a:schemeClr>
+            </a:solidFill>
+          </a:ln>
+        </p:spPr>
+        <p:style>
+          <a:lnRef idx="2">
+            <a:schemeClr val="accent1">
+              <a:shade val="15000"/>
+            </a:schemeClr>
+          </a:lnRef>
+          <a:fillRef idx="1">
+            <a:schemeClr val="accent1"/>
+          </a:fillRef>
+          <a:effectRef idx="0">
+            <a:schemeClr val="accent1"/>
+          </a:effectRef>
+          <a:fontRef idx="minor">
+            <a:schemeClr val="lt1"/>
+          </a:fontRef>
+        </p:style>
+        <p:txBody>
+          <a:bodyPr rtlCol="0" anchor="ctr"/>
+          <a:lstStyle/>
+          <a:p>
+            <a:pPr algn="ctr"/>
+            <a:endParaRPr lang="en-TW"/>
+          </a:p>
+        </p:txBody>
+      </p:sp>
+      <p:sp>
+        <p:nvSpPr>
           <p:cNvPr id="13" name="Title 1">
             <a:extLst>
               <a:ext uri="{FF2B5EF4-FFF2-40B4-BE49-F238E27FC236}">
-                <a16:creationId xmlns:a16="http://schemas.microsoft.com/office/drawing/2014/main" id="{9A00FAB7-2601-18FE-3CFD-168B8448D921}"/>
+                <a16:creationId xmlns:a16="http://schemas.microsoft.com/office/drawing/2014/main" id="{55F44CA2-33B1-AD3A-6024-8C3164ED0299}"/>
               </a:ext>
             </a:extLst>
           </p:cNvPr>
@@ -6750,17 +6696,17 @@
           <a:p>
             <a:r>
               <a:rPr lang="en-TW" b="1" dirty="0"/>
-              <a:t>Frontend v.s. Backend</a:t>
+              <a:t>Frontend</a:t>
             </a:r>
           </a:p>
         </p:txBody>
       </p:sp>
       <p:pic>
         <p:nvPicPr>
-          <p:cNvPr id="7170" name="Picture 2" descr="Building a Strong Foundation as a Backend Developer | Stackademic">
-            <a:extLst>
-              <a:ext uri="{FF2B5EF4-FFF2-40B4-BE49-F238E27FC236}">
-                <a16:creationId xmlns:a16="http://schemas.microsoft.com/office/drawing/2014/main" id="{C39E317A-EDF4-CDD7-349A-D1AB4360CF58}"/>
+          <p:cNvPr id="4098" name="Picture 2" descr="Javascript versions wiki | paolavidispterte1989's Ownd">
+            <a:extLst>
+              <a:ext uri="{FF2B5EF4-FFF2-40B4-BE49-F238E27FC236}">
+                <a16:creationId xmlns:a16="http://schemas.microsoft.com/office/drawing/2014/main" id="{48F9B03C-99FC-79E3-1A22-6CF12A6DC309}"/>
               </a:ext>
             </a:extLst>
           </p:cNvPr>
@@ -6784,8 +6730,8 @@
         </p:blipFill>
         <p:spPr bwMode="auto">
           <a:xfrm>
-            <a:off x="1351620" y="1233836"/>
-            <a:ext cx="9488759" cy="5155559"/>
+            <a:off x="4065814" y="1342346"/>
+            <a:ext cx="4060371" cy="1537971"/>
           </a:xfrm>
           <a:prstGeom prst="rect">
             <a:avLst/>
@@ -6802,10 +6748,354 @@
           </a:extLst>
         </p:spPr>
       </p:pic>
+      <p:cxnSp>
+        <p:nvCxnSpPr>
+          <p:cNvPr id="9" name="Straight Arrow Connector 8">
+            <a:extLst>
+              <a:ext uri="{FF2B5EF4-FFF2-40B4-BE49-F238E27FC236}">
+                <a16:creationId xmlns:a16="http://schemas.microsoft.com/office/drawing/2014/main" id="{5D6B2F66-3B8D-7155-3283-34FA5DB9F232}"/>
+              </a:ext>
+            </a:extLst>
+          </p:cNvPr>
+          <p:cNvCxnSpPr>
+            <a:cxnSpLocks/>
+          </p:cNvCxnSpPr>
+          <p:nvPr/>
+        </p:nvCxnSpPr>
+        <p:spPr>
+          <a:xfrm>
+            <a:off x="6095999" y="3113314"/>
+            <a:ext cx="0" cy="892629"/>
+          </a:xfrm>
+          <a:prstGeom prst="straightConnector1">
+            <a:avLst/>
+          </a:prstGeom>
+          <a:ln w="76200">
+            <a:solidFill>
+              <a:schemeClr val="tx1"/>
+            </a:solidFill>
+            <a:tailEnd type="triangle"/>
+          </a:ln>
+        </p:spPr>
+        <p:style>
+          <a:lnRef idx="1">
+            <a:schemeClr val="accent1"/>
+          </a:lnRef>
+          <a:fillRef idx="0">
+            <a:schemeClr val="accent1"/>
+          </a:fillRef>
+          <a:effectRef idx="0">
+            <a:schemeClr val="accent1"/>
+          </a:effectRef>
+          <a:fontRef idx="minor">
+            <a:schemeClr val="tx1"/>
+          </a:fontRef>
+        </p:style>
+      </p:cxnSp>
+      <p:pic>
+        <p:nvPicPr>
+          <p:cNvPr id="14" name="Picture 13">
+            <a:extLst>
+              <a:ext uri="{FF2B5EF4-FFF2-40B4-BE49-F238E27FC236}">
+                <a16:creationId xmlns:a16="http://schemas.microsoft.com/office/drawing/2014/main" id="{C9245397-4773-EEFE-DBA9-FF0874890C86}"/>
+              </a:ext>
+            </a:extLst>
+          </p:cNvPr>
+          <p:cNvPicPr>
+            <a:picLocks noChangeAspect="1"/>
+          </p:cNvPicPr>
+          <p:nvPr/>
+        </p:nvPicPr>
+        <p:blipFill>
+          <a:blip r:embed="rId3"/>
+          <a:stretch>
+            <a:fillRect/>
+          </a:stretch>
+        </p:blipFill>
+        <p:spPr>
+          <a:xfrm>
+            <a:off x="4250105" y="4635515"/>
+            <a:ext cx="937072" cy="863863"/>
+          </a:xfrm>
+          <a:prstGeom prst="rect">
+            <a:avLst/>
+          </a:prstGeom>
+        </p:spPr>
+      </p:pic>
+      <p:pic>
+        <p:nvPicPr>
+          <p:cNvPr id="16" name="Picture 15">
+            <a:extLst>
+              <a:ext uri="{FF2B5EF4-FFF2-40B4-BE49-F238E27FC236}">
+                <a16:creationId xmlns:a16="http://schemas.microsoft.com/office/drawing/2014/main" id="{03BBA7D7-937A-7D0F-7E4B-3C88F050BAFC}"/>
+              </a:ext>
+            </a:extLst>
+          </p:cNvPr>
+          <p:cNvPicPr>
+            <a:picLocks noChangeAspect="1"/>
+          </p:cNvPicPr>
+          <p:nvPr/>
+        </p:nvPicPr>
+        <p:blipFill>
+          <a:blip r:embed="rId4"/>
+          <a:stretch>
+            <a:fillRect/>
+          </a:stretch>
+        </p:blipFill>
+        <p:spPr>
+          <a:xfrm>
+            <a:off x="7004821" y="4687249"/>
+            <a:ext cx="937072" cy="812129"/>
+          </a:xfrm>
+          <a:prstGeom prst="rect">
+            <a:avLst/>
+          </a:prstGeom>
+        </p:spPr>
+      </p:pic>
+      <p:pic>
+        <p:nvPicPr>
+          <p:cNvPr id="17" name="Picture 16">
+            <a:extLst>
+              <a:ext uri="{FF2B5EF4-FFF2-40B4-BE49-F238E27FC236}">
+                <a16:creationId xmlns:a16="http://schemas.microsoft.com/office/drawing/2014/main" id="{EA949791-866F-F91B-E9A1-9D6F1DA14876}"/>
+              </a:ext>
+            </a:extLst>
+          </p:cNvPr>
+          <p:cNvPicPr>
+            <a:picLocks noChangeAspect="1"/>
+          </p:cNvPicPr>
+          <p:nvPr/>
+        </p:nvPicPr>
+        <p:blipFill>
+          <a:blip r:embed="rId5"/>
+          <a:stretch>
+            <a:fillRect/>
+          </a:stretch>
+        </p:blipFill>
+        <p:spPr>
+          <a:xfrm>
+            <a:off x="5577074" y="4548521"/>
+            <a:ext cx="1037850" cy="1037850"/>
+          </a:xfrm>
+          <a:prstGeom prst="rect">
+            <a:avLst/>
+          </a:prstGeom>
+        </p:spPr>
+      </p:pic>
+      <p:sp>
+        <p:nvSpPr>
+          <p:cNvPr id="26" name="Rounded Rectangle 25">
+            <a:extLst>
+              <a:ext uri="{FF2B5EF4-FFF2-40B4-BE49-F238E27FC236}">
+                <a16:creationId xmlns:a16="http://schemas.microsoft.com/office/drawing/2014/main" id="{08D85DF1-59C2-D748-E7D2-7D1D265D3945}"/>
+              </a:ext>
+            </a:extLst>
+          </p:cNvPr>
+          <p:cNvSpPr/>
+          <p:nvPr/>
+        </p:nvSpPr>
+        <p:spPr>
+          <a:xfrm>
+            <a:off x="3570514" y="4098617"/>
+            <a:ext cx="5050972" cy="1937657"/>
+          </a:xfrm>
+          <a:prstGeom prst="roundRect">
+            <a:avLst/>
+          </a:prstGeom>
+          <a:noFill/>
+          <a:ln w="38100">
+            <a:solidFill>
+              <a:schemeClr val="tx1">
+                <a:lumMod val="75000"/>
+                <a:lumOff val="25000"/>
+              </a:schemeClr>
+            </a:solidFill>
+          </a:ln>
+        </p:spPr>
+        <p:style>
+          <a:lnRef idx="2">
+            <a:schemeClr val="accent1">
+              <a:shade val="15000"/>
+            </a:schemeClr>
+          </a:lnRef>
+          <a:fillRef idx="1">
+            <a:schemeClr val="accent1"/>
+          </a:fillRef>
+          <a:effectRef idx="0">
+            <a:schemeClr val="accent1"/>
+          </a:effectRef>
+          <a:fontRef idx="minor">
+            <a:schemeClr val="lt1"/>
+          </a:fontRef>
+        </p:style>
+        <p:txBody>
+          <a:bodyPr rtlCol="0" anchor="ctr"/>
+          <a:lstStyle/>
+          <a:p>
+            <a:pPr algn="ctr"/>
+            <a:endParaRPr lang="en-TW"/>
+          </a:p>
+        </p:txBody>
+      </p:sp>
+      <p:sp>
+        <p:nvSpPr>
+          <p:cNvPr id="28" name="TextBox 27">
+            <a:extLst>
+              <a:ext uri="{FF2B5EF4-FFF2-40B4-BE49-F238E27FC236}">
+                <a16:creationId xmlns:a16="http://schemas.microsoft.com/office/drawing/2014/main" id="{50C5B4DC-0F4A-AECA-64C6-4CF9A261835C}"/>
+              </a:ext>
+            </a:extLst>
+          </p:cNvPr>
+          <p:cNvSpPr txBox="1"/>
+          <p:nvPr/>
+        </p:nvSpPr>
+        <p:spPr>
+          <a:xfrm>
+            <a:off x="8850086" y="1926665"/>
+            <a:ext cx="1016625" cy="369332"/>
+          </a:xfrm>
+          <a:prstGeom prst="rect">
+            <a:avLst/>
+          </a:prstGeom>
+          <a:noFill/>
+        </p:spPr>
+        <p:txBody>
+          <a:bodyPr wrap="none" rtlCol="0">
+            <a:spAutoFit/>
+          </a:bodyPr>
+          <a:lstStyle/>
+          <a:p>
+            <a:r>
+              <a:rPr lang="en-TW" dirty="0"/>
+              <a:t>Ancestor</a:t>
+            </a:r>
+          </a:p>
+        </p:txBody>
+      </p:sp>
+      <p:sp>
+        <p:nvSpPr>
+          <p:cNvPr id="33" name="TextBox 32">
+            <a:extLst>
+              <a:ext uri="{FF2B5EF4-FFF2-40B4-BE49-F238E27FC236}">
+                <a16:creationId xmlns:a16="http://schemas.microsoft.com/office/drawing/2014/main" id="{9B067AF4-9682-3A36-76F5-64B0775608A1}"/>
+              </a:ext>
+            </a:extLst>
+          </p:cNvPr>
+          <p:cNvSpPr txBox="1"/>
+          <p:nvPr/>
+        </p:nvSpPr>
+        <p:spPr>
+          <a:xfrm>
+            <a:off x="8850086" y="4882779"/>
+            <a:ext cx="1296637" cy="369332"/>
+          </a:xfrm>
+          <a:prstGeom prst="rect">
+            <a:avLst/>
+          </a:prstGeom>
+          <a:noFill/>
+        </p:spPr>
+        <p:txBody>
+          <a:bodyPr wrap="none" rtlCol="0">
+            <a:spAutoFit/>
+          </a:bodyPr>
+          <a:lstStyle/>
+          <a:p>
+            <a:r>
+              <a:rPr lang="en-US" dirty="0"/>
+              <a:t>Descendant</a:t>
+            </a:r>
+            <a:endParaRPr lang="en-TW" dirty="0"/>
+          </a:p>
+        </p:txBody>
+      </p:sp>
+      <p:cxnSp>
+        <p:nvCxnSpPr>
+          <p:cNvPr id="35" name="Straight Arrow Connector 34">
+            <a:extLst>
+              <a:ext uri="{FF2B5EF4-FFF2-40B4-BE49-F238E27FC236}">
+                <a16:creationId xmlns:a16="http://schemas.microsoft.com/office/drawing/2014/main" id="{2B14B4AC-E24F-2893-527B-0FDC343E42B9}"/>
+              </a:ext>
+            </a:extLst>
+          </p:cNvPr>
+          <p:cNvCxnSpPr>
+            <a:cxnSpLocks/>
+          </p:cNvCxnSpPr>
+          <p:nvPr/>
+        </p:nvCxnSpPr>
+        <p:spPr>
+          <a:xfrm>
+            <a:off x="6095999" y="6138481"/>
+            <a:ext cx="0" cy="674915"/>
+          </a:xfrm>
+          <a:prstGeom prst="straightConnector1">
+            <a:avLst/>
+          </a:prstGeom>
+          <a:ln w="76200">
+            <a:solidFill>
+              <a:schemeClr val="tx1"/>
+            </a:solidFill>
+            <a:tailEnd type="triangle"/>
+          </a:ln>
+        </p:spPr>
+        <p:style>
+          <a:lnRef idx="1">
+            <a:schemeClr val="accent1"/>
+          </a:lnRef>
+          <a:fillRef idx="0">
+            <a:schemeClr val="accent1"/>
+          </a:fillRef>
+          <a:effectRef idx="0">
+            <a:schemeClr val="accent1"/>
+          </a:effectRef>
+          <a:fontRef idx="minor">
+            <a:schemeClr val="tx1"/>
+          </a:fontRef>
+        </p:style>
+      </p:cxnSp>
+      <p:sp>
+        <p:nvSpPr>
+          <p:cNvPr id="37" name="TextBox 36">
+            <a:extLst>
+              <a:ext uri="{FF2B5EF4-FFF2-40B4-BE49-F238E27FC236}">
+                <a16:creationId xmlns:a16="http://schemas.microsoft.com/office/drawing/2014/main" id="{5FE516B5-76B2-F35B-76C4-EA02B04106D9}"/>
+              </a:ext>
+            </a:extLst>
+          </p:cNvPr>
+          <p:cNvSpPr txBox="1"/>
+          <p:nvPr/>
+        </p:nvSpPr>
+        <p:spPr>
+          <a:xfrm>
+            <a:off x="6356502" y="6291272"/>
+            <a:ext cx="1156086" cy="400110"/>
+          </a:xfrm>
+          <a:prstGeom prst="rect">
+            <a:avLst/>
+          </a:prstGeom>
+          <a:noFill/>
+        </p:spPr>
+        <p:txBody>
+          <a:bodyPr wrap="none" rtlCol="0">
+            <a:spAutoFit/>
+          </a:bodyPr>
+          <a:lstStyle/>
+          <a:p>
+            <a:r>
+              <a:rPr lang="en-US" dirty="0"/>
+              <a:t>Endless </a:t>
+            </a:r>
+            <a:r>
+              <a:rPr lang="en-US" sz="2000" b="1" dirty="0"/>
+              <a:t>∞</a:t>
+            </a:r>
+            <a:endParaRPr lang="en-TW" b="1" dirty="0"/>
+          </a:p>
+        </p:txBody>
+      </p:sp>
     </p:spTree>
     <p:extLst>
       <p:ext uri="{BB962C8B-B14F-4D97-AF65-F5344CB8AC3E}">
-        <p14:creationId xmlns:p14="http://schemas.microsoft.com/office/powerpoint/2010/main" val="2284329136"/>
+        <p14:creationId xmlns:p14="http://schemas.microsoft.com/office/powerpoint/2010/main" val="2082489463"/>
       </p:ext>
     </p:extLst>
   </p:cSld>
@@ -6835,7 +7125,7 @@
         <p:cNvPr id="1" name="">
           <a:extLst>
             <a:ext uri="{FF2B5EF4-FFF2-40B4-BE49-F238E27FC236}">
-              <a16:creationId xmlns:a16="http://schemas.microsoft.com/office/drawing/2014/main" id="{1D5EA704-EB9A-232A-DEA9-CB29BE3967E1}"/>
+              <a16:creationId xmlns:a16="http://schemas.microsoft.com/office/drawing/2014/main" id="{E1D79C99-E487-03EC-3396-A5E0AF5C6EF4}"/>
             </a:ext>
           </a:extLst>
         </p:cNvPr>
@@ -6852,65 +7142,10 @@
       </p:grpSpPr>
       <p:sp>
         <p:nvSpPr>
-          <p:cNvPr id="23" name="Rounded Rectangle 22">
-            <a:extLst>
-              <a:ext uri="{FF2B5EF4-FFF2-40B4-BE49-F238E27FC236}">
-                <a16:creationId xmlns:a16="http://schemas.microsoft.com/office/drawing/2014/main" id="{67A4F1BB-CEB8-6539-C33B-05F0FAAC6CB0}"/>
-              </a:ext>
-            </a:extLst>
-          </p:cNvPr>
-          <p:cNvSpPr/>
-          <p:nvPr/>
-        </p:nvSpPr>
-        <p:spPr>
-          <a:xfrm>
-            <a:off x="3570514" y="1066800"/>
-            <a:ext cx="5050972" cy="1937657"/>
-          </a:xfrm>
-          <a:prstGeom prst="roundRect">
-            <a:avLst/>
-          </a:prstGeom>
-          <a:noFill/>
-          <a:ln w="38100">
-            <a:solidFill>
-              <a:schemeClr val="tx1">
-                <a:lumMod val="75000"/>
-                <a:lumOff val="25000"/>
-              </a:schemeClr>
-            </a:solidFill>
-          </a:ln>
-        </p:spPr>
-        <p:style>
-          <a:lnRef idx="2">
-            <a:schemeClr val="accent1">
-              <a:shade val="15000"/>
-            </a:schemeClr>
-          </a:lnRef>
-          <a:fillRef idx="1">
-            <a:schemeClr val="accent1"/>
-          </a:fillRef>
-          <a:effectRef idx="0">
-            <a:schemeClr val="accent1"/>
-          </a:effectRef>
-          <a:fontRef idx="minor">
-            <a:schemeClr val="lt1"/>
-          </a:fontRef>
-        </p:style>
-        <p:txBody>
-          <a:bodyPr rtlCol="0" anchor="ctr"/>
-          <a:lstStyle/>
-          <a:p>
-            <a:pPr algn="ctr"/>
-            <a:endParaRPr lang="en-TW"/>
-          </a:p>
-        </p:txBody>
-      </p:sp>
-      <p:sp>
-        <p:nvSpPr>
           <p:cNvPr id="13" name="Title 1">
             <a:extLst>
               <a:ext uri="{FF2B5EF4-FFF2-40B4-BE49-F238E27FC236}">
-                <a16:creationId xmlns:a16="http://schemas.microsoft.com/office/drawing/2014/main" id="{55F44CA2-33B1-AD3A-6024-8C3164ED0299}"/>
+                <a16:creationId xmlns:a16="http://schemas.microsoft.com/office/drawing/2014/main" id="{AE574ACC-DEE0-0EEE-C221-27690A4E8926}"/>
               </a:ext>
             </a:extLst>
           </p:cNvPr>
@@ -6954,17 +7189,17 @@
           <a:p>
             <a:r>
               <a:rPr lang="en-TW" b="1" dirty="0"/>
-              <a:t>Frontend</a:t>
+              <a:t>Backend</a:t>
             </a:r>
           </a:p>
         </p:txBody>
       </p:sp>
       <p:pic>
         <p:nvPicPr>
-          <p:cNvPr id="4098" name="Picture 2" descr="Javascript versions wiki | paolavidispterte1989's Ownd">
-            <a:extLst>
-              <a:ext uri="{FF2B5EF4-FFF2-40B4-BE49-F238E27FC236}">
-                <a16:creationId xmlns:a16="http://schemas.microsoft.com/office/drawing/2014/main" id="{48F9B03C-99FC-79E3-1A22-6CF12A6DC309}"/>
+          <p:cNvPr id="5" name="Picture 2" descr="Node.js - Wikipedia">
+            <a:extLst>
+              <a:ext uri="{FF2B5EF4-FFF2-40B4-BE49-F238E27FC236}">
+                <a16:creationId xmlns:a16="http://schemas.microsoft.com/office/drawing/2014/main" id="{39C6BD79-B4EA-68E7-38BF-E55029C9E1B8}"/>
               </a:ext>
             </a:extLst>
           </p:cNvPr>
@@ -6973,7 +7208,7 @@
           </p:cNvPicPr>
           <p:nvPr/>
         </p:nvPicPr>
-        <p:blipFill>
+        <p:blipFill rotWithShape="1">
           <a:blip r:embed="rId2">
             <a:extLst>
               <a:ext uri="{28A0092B-C50C-407E-A947-70E740481C1C}">
@@ -6981,15 +7216,13 @@
               </a:ext>
             </a:extLst>
           </a:blip>
-          <a:srcRect/>
-          <a:stretch>
-            <a:fillRect/>
-          </a:stretch>
+          <a:srcRect l="35405" t="62411" r="33514"/>
+          <a:stretch/>
         </p:blipFill>
         <p:spPr bwMode="auto">
           <a:xfrm>
-            <a:off x="4065814" y="1342346"/>
-            <a:ext cx="4060371" cy="1537971"/>
+            <a:off x="5499760" y="1953113"/>
+            <a:ext cx="1631095" cy="1208257"/>
           </a:xfrm>
           <a:prstGeom prst="rect">
             <a:avLst/>
@@ -7006,56 +7239,59 @@
           </a:extLst>
         </p:spPr>
       </p:pic>
-      <p:cxnSp>
-        <p:nvCxnSpPr>
-          <p:cNvPr id="9" name="Straight Arrow Connector 8">
-            <a:extLst>
-              <a:ext uri="{FF2B5EF4-FFF2-40B4-BE49-F238E27FC236}">
-                <a16:creationId xmlns:a16="http://schemas.microsoft.com/office/drawing/2014/main" id="{5D6B2F66-3B8D-7155-3283-34FA5DB9F232}"/>
-              </a:ext>
-            </a:extLst>
-          </p:cNvPr>
-          <p:cNvCxnSpPr>
-            <a:cxnSpLocks/>
-          </p:cNvCxnSpPr>
+      <p:pic>
+        <p:nvPicPr>
+          <p:cNvPr id="7" name="Picture 6">
+            <a:extLst>
+              <a:ext uri="{FF2B5EF4-FFF2-40B4-BE49-F238E27FC236}">
+                <a16:creationId xmlns:a16="http://schemas.microsoft.com/office/drawing/2014/main" id="{A23B3E8E-C6FB-8F19-2D42-8497FA9AD33F}"/>
+              </a:ext>
+            </a:extLst>
+          </p:cNvPr>
+          <p:cNvPicPr>
+            <a:picLocks noChangeAspect="1" noChangeArrowheads="1"/>
+          </p:cNvPicPr>
           <p:nvPr/>
-        </p:nvCxnSpPr>
-        <p:spPr>
-          <a:xfrm>
-            <a:off x="6095999" y="3113314"/>
-            <a:ext cx="0" cy="892629"/>
-          </a:xfrm>
-          <a:prstGeom prst="straightConnector1">
+        </p:nvPicPr>
+        <p:blipFill>
+          <a:blip r:embed="rId3">
+            <a:extLst>
+              <a:ext uri="{28A0092B-C50C-407E-A947-70E740481C1C}">
+                <a14:useLocalDpi xmlns:a14="http://schemas.microsoft.com/office/drawing/2010/main" val="0"/>
+              </a:ext>
+            </a:extLst>
+          </a:blip>
+          <a:srcRect/>
+          <a:stretch>
+            <a:fillRect/>
+          </a:stretch>
+        </p:blipFill>
+        <p:spPr bwMode="auto">
+          <a:xfrm>
+            <a:off x="7877840" y="2181711"/>
+            <a:ext cx="2158211" cy="751057"/>
+          </a:xfrm>
+          <a:prstGeom prst="rect">
             <a:avLst/>
           </a:prstGeom>
-          <a:ln w="76200">
-            <a:solidFill>
-              <a:schemeClr val="tx1"/>
-            </a:solidFill>
-            <a:tailEnd type="triangle"/>
-          </a:ln>
-        </p:spPr>
-        <p:style>
-          <a:lnRef idx="1">
-            <a:schemeClr val="accent1"/>
-          </a:lnRef>
-          <a:fillRef idx="0">
-            <a:schemeClr val="accent1"/>
-          </a:fillRef>
-          <a:effectRef idx="0">
-            <a:schemeClr val="accent1"/>
-          </a:effectRef>
-          <a:fontRef idx="minor">
-            <a:schemeClr val="tx1"/>
-          </a:fontRef>
-        </p:style>
-      </p:cxnSp>
+          <a:noFill/>
+          <a:extLst>
+            <a:ext uri="{909E8E84-426E-40DD-AFC4-6F175D3DCCD1}">
+              <a14:hiddenFill xmlns:a14="http://schemas.microsoft.com/office/drawing/2010/main">
+                <a:solidFill>
+                  <a:srgbClr val="FFFFFF"/>
+                </a:solidFill>
+              </a14:hiddenFill>
+            </a:ext>
+          </a:extLst>
+        </p:spPr>
+      </p:pic>
       <p:pic>
         <p:nvPicPr>
-          <p:cNvPr id="14" name="Picture 13">
-            <a:extLst>
-              <a:ext uri="{FF2B5EF4-FFF2-40B4-BE49-F238E27FC236}">
-                <a16:creationId xmlns:a16="http://schemas.microsoft.com/office/drawing/2014/main" id="{C9245397-4773-EEFE-DBA9-FF0874890C86}"/>
+          <p:cNvPr id="8" name="Graphic 7">
+            <a:extLst>
+              <a:ext uri="{FF2B5EF4-FFF2-40B4-BE49-F238E27FC236}">
+                <a16:creationId xmlns:a16="http://schemas.microsoft.com/office/drawing/2014/main" id="{AD9FCEE2-136F-9E35-165E-6A77FC7A85A8}"/>
               </a:ext>
             </a:extLst>
           </p:cNvPr>
@@ -7065,87 +7301,33 @@
           <p:nvPr/>
         </p:nvPicPr>
         <p:blipFill>
-          <a:blip r:embed="rId3"/>
+          <a:blip r:embed="rId4">
+            <a:extLst>
+              <a:ext uri="{96DAC541-7B7A-43D3-8B79-37D633B846F1}">
+                <asvg:svgBlip xmlns:asvg="http://schemas.microsoft.com/office/drawing/2016/SVG/main" r:embed="rId5"/>
+              </a:ext>
+            </a:extLst>
+          </a:blip>
           <a:stretch>
             <a:fillRect/>
           </a:stretch>
         </p:blipFill>
         <p:spPr>
           <a:xfrm>
-            <a:off x="4250105" y="4635515"/>
-            <a:ext cx="937072" cy="863863"/>
+            <a:off x="2125032" y="2025333"/>
+            <a:ext cx="2718640" cy="1063815"/>
           </a:xfrm>
           <a:prstGeom prst="rect">
             <a:avLst/>
           </a:prstGeom>
         </p:spPr>
       </p:pic>
-      <p:pic>
-        <p:nvPicPr>
-          <p:cNvPr id="16" name="Picture 15">
-            <a:extLst>
-              <a:ext uri="{FF2B5EF4-FFF2-40B4-BE49-F238E27FC236}">
-                <a16:creationId xmlns:a16="http://schemas.microsoft.com/office/drawing/2014/main" id="{03BBA7D7-937A-7D0F-7E4B-3C88F050BAFC}"/>
-              </a:ext>
-            </a:extLst>
-          </p:cNvPr>
-          <p:cNvPicPr>
-            <a:picLocks noChangeAspect="1"/>
-          </p:cNvPicPr>
-          <p:nvPr/>
-        </p:nvPicPr>
-        <p:blipFill>
-          <a:blip r:embed="rId4"/>
-          <a:stretch>
-            <a:fillRect/>
-          </a:stretch>
-        </p:blipFill>
-        <p:spPr>
-          <a:xfrm>
-            <a:off x="7004821" y="4687249"/>
-            <a:ext cx="937072" cy="812129"/>
-          </a:xfrm>
-          <a:prstGeom prst="rect">
-            <a:avLst/>
-          </a:prstGeom>
-        </p:spPr>
-      </p:pic>
-      <p:pic>
-        <p:nvPicPr>
-          <p:cNvPr id="17" name="Picture 16">
-            <a:extLst>
-              <a:ext uri="{FF2B5EF4-FFF2-40B4-BE49-F238E27FC236}">
-                <a16:creationId xmlns:a16="http://schemas.microsoft.com/office/drawing/2014/main" id="{EA949791-866F-F91B-E9A1-9D6F1DA14876}"/>
-              </a:ext>
-            </a:extLst>
-          </p:cNvPr>
-          <p:cNvPicPr>
-            <a:picLocks noChangeAspect="1"/>
-          </p:cNvPicPr>
-          <p:nvPr/>
-        </p:nvPicPr>
-        <p:blipFill>
-          <a:blip r:embed="rId5"/>
-          <a:stretch>
-            <a:fillRect/>
-          </a:stretch>
-        </p:blipFill>
-        <p:spPr>
-          <a:xfrm>
-            <a:off x="5577074" y="4548521"/>
-            <a:ext cx="1037850" cy="1037850"/>
-          </a:xfrm>
-          <a:prstGeom prst="rect">
-            <a:avLst/>
-          </a:prstGeom>
-        </p:spPr>
-      </p:pic>
-      <p:sp>
-        <p:nvSpPr>
-          <p:cNvPr id="26" name="Rounded Rectangle 25">
-            <a:extLst>
-              <a:ext uri="{FF2B5EF4-FFF2-40B4-BE49-F238E27FC236}">
-                <a16:creationId xmlns:a16="http://schemas.microsoft.com/office/drawing/2014/main" id="{08D85DF1-59C2-D748-E7D2-7D1D265D3945}"/>
+      <p:sp>
+        <p:nvSpPr>
+          <p:cNvPr id="10" name="Rounded Rectangle 9">
+            <a:extLst>
+              <a:ext uri="{FF2B5EF4-FFF2-40B4-BE49-F238E27FC236}">
+                <a16:creationId xmlns:a16="http://schemas.microsoft.com/office/drawing/2014/main" id="{B73B2F17-C2BF-321E-4C70-60F3E94308C3}"/>
               </a:ext>
             </a:extLst>
           </p:cNvPr>
@@ -7154,8 +7336,8 @@
         </p:nvSpPr>
         <p:spPr>
           <a:xfrm>
-            <a:off x="3570514" y="4098617"/>
-            <a:ext cx="5050972" cy="1937657"/>
+            <a:off x="1791629" y="1588411"/>
+            <a:ext cx="8608742" cy="1840590"/>
           </a:xfrm>
           <a:prstGeom prst="roundRect">
             <a:avLst/>
@@ -7197,10 +7379,10 @@
       </p:sp>
       <p:sp>
         <p:nvSpPr>
-          <p:cNvPr id="28" name="TextBox 27">
-            <a:extLst>
-              <a:ext uri="{FF2B5EF4-FFF2-40B4-BE49-F238E27FC236}">
-                <a16:creationId xmlns:a16="http://schemas.microsoft.com/office/drawing/2014/main" id="{50C5B4DC-0F4A-AECA-64C6-4CF9A261835C}"/>
+          <p:cNvPr id="11" name="TextBox 10">
+            <a:extLst>
+              <a:ext uri="{FF2B5EF4-FFF2-40B4-BE49-F238E27FC236}">
+                <a16:creationId xmlns:a16="http://schemas.microsoft.com/office/drawing/2014/main" id="{7AE35620-C3D5-57C7-DAD4-E5956D4409E8}"/>
               </a:ext>
             </a:extLst>
           </p:cNvPr>
@@ -7209,8 +7391,8 @@
         </p:nvSpPr>
         <p:spPr>
           <a:xfrm>
-            <a:off x="8850086" y="1926665"/>
-            <a:ext cx="1016625" cy="369332"/>
+            <a:off x="10400371" y="2324040"/>
+            <a:ext cx="1244251" cy="369332"/>
           </a:xfrm>
           <a:prstGeom prst="rect">
             <a:avLst/>
@@ -7225,97 +7407,118 @@
           <a:p>
             <a:r>
               <a:rPr lang="en-TW" dirty="0"/>
-              <a:t>Ancestor</a:t>
-            </a:r>
-          </a:p>
-        </p:txBody>
-      </p:sp>
-      <p:sp>
-        <p:nvSpPr>
-          <p:cNvPr id="33" name="TextBox 32">
-            <a:extLst>
-              <a:ext uri="{FF2B5EF4-FFF2-40B4-BE49-F238E27FC236}">
-                <a16:creationId xmlns:a16="http://schemas.microsoft.com/office/drawing/2014/main" id="{9B067AF4-9682-3A36-76F5-64B0775608A1}"/>
-              </a:ext>
-            </a:extLst>
-          </p:cNvPr>
-          <p:cNvSpPr txBox="1"/>
+              <a:t>Framework</a:t>
+            </a:r>
+          </a:p>
+        </p:txBody>
+      </p:sp>
+      <p:sp>
+        <p:nvSpPr>
+          <p:cNvPr id="12" name="Rounded Rectangle 11">
+            <a:extLst>
+              <a:ext uri="{FF2B5EF4-FFF2-40B4-BE49-F238E27FC236}">
+                <a16:creationId xmlns:a16="http://schemas.microsoft.com/office/drawing/2014/main" id="{D2A5950F-6E8B-546D-A82A-583FE40EDC78}"/>
+              </a:ext>
+            </a:extLst>
+          </p:cNvPr>
+          <p:cNvSpPr/>
           <p:nvPr/>
         </p:nvSpPr>
         <p:spPr>
           <a:xfrm>
-            <a:off x="8850086" y="4882779"/>
-            <a:ext cx="1296637" cy="369332"/>
-          </a:xfrm>
-          <a:prstGeom prst="rect">
+            <a:off x="1791629" y="4133811"/>
+            <a:ext cx="8608742" cy="1840590"/>
+          </a:xfrm>
+          <a:prstGeom prst="roundRect">
             <a:avLst/>
           </a:prstGeom>
           <a:noFill/>
-        </p:spPr>
-        <p:txBody>
-          <a:bodyPr wrap="none" rtlCol="0">
-            <a:spAutoFit/>
-          </a:bodyPr>
-          <a:lstStyle/>
-          <a:p>
-            <a:r>
-              <a:rPr lang="en-US" dirty="0"/>
-              <a:t>Descendant</a:t>
-            </a:r>
-            <a:endParaRPr lang="en-TW" dirty="0"/>
-          </a:p>
-        </p:txBody>
-      </p:sp>
-      <p:cxnSp>
-        <p:nvCxnSpPr>
-          <p:cNvPr id="35" name="Straight Arrow Connector 34">
-            <a:extLst>
-              <a:ext uri="{FF2B5EF4-FFF2-40B4-BE49-F238E27FC236}">
-                <a16:creationId xmlns:a16="http://schemas.microsoft.com/office/drawing/2014/main" id="{2B14B4AC-E24F-2893-527B-0FDC343E42B9}"/>
-              </a:ext>
-            </a:extLst>
-          </p:cNvPr>
-          <p:cNvCxnSpPr>
-            <a:cxnSpLocks/>
-          </p:cNvCxnSpPr>
-          <p:nvPr/>
-        </p:nvCxnSpPr>
-        <p:spPr>
-          <a:xfrm>
-            <a:off x="6095999" y="6138481"/>
-            <a:ext cx="0" cy="674915"/>
-          </a:xfrm>
-          <a:prstGeom prst="straightConnector1">
-            <a:avLst/>
-          </a:prstGeom>
-          <a:ln w="76200">
+          <a:ln w="38100">
             <a:solidFill>
-              <a:schemeClr val="tx1"/>
+              <a:schemeClr val="tx1">
+                <a:lumMod val="75000"/>
+                <a:lumOff val="25000"/>
+              </a:schemeClr>
             </a:solidFill>
-            <a:tailEnd type="triangle"/>
           </a:ln>
         </p:spPr>
         <p:style>
-          <a:lnRef idx="1">
-            <a:schemeClr val="accent1"/>
+          <a:lnRef idx="2">
+            <a:schemeClr val="accent1">
+              <a:shade val="15000"/>
+            </a:schemeClr>
           </a:lnRef>
-          <a:fillRef idx="0">
+          <a:fillRef idx="1">
             <a:schemeClr val="accent1"/>
           </a:fillRef>
           <a:effectRef idx="0">
             <a:schemeClr val="accent1"/>
           </a:effectRef>
           <a:fontRef idx="minor">
-            <a:schemeClr val="tx1"/>
+            <a:schemeClr val="lt1"/>
           </a:fontRef>
         </p:style>
-      </p:cxnSp>
-      <p:sp>
-        <p:nvSpPr>
-          <p:cNvPr id="37" name="TextBox 36">
-            <a:extLst>
-              <a:ext uri="{FF2B5EF4-FFF2-40B4-BE49-F238E27FC236}">
-                <a16:creationId xmlns:a16="http://schemas.microsoft.com/office/drawing/2014/main" id="{5FE516B5-76B2-F35B-76C4-EA02B04106D9}"/>
+        <p:txBody>
+          <a:bodyPr rtlCol="0" anchor="ctr"/>
+          <a:lstStyle/>
+          <a:p>
+            <a:pPr algn="ctr"/>
+            <a:endParaRPr lang="en-TW"/>
+          </a:p>
+        </p:txBody>
+      </p:sp>
+      <p:sp>
+        <p:nvSpPr>
+          <p:cNvPr id="15" name="Plus 14">
+            <a:extLst>
+              <a:ext uri="{FF2B5EF4-FFF2-40B4-BE49-F238E27FC236}">
+                <a16:creationId xmlns:a16="http://schemas.microsoft.com/office/drawing/2014/main" id="{17BF3F6F-B6D7-5AAC-5394-61F035AC1EBC}"/>
+              </a:ext>
+            </a:extLst>
+          </p:cNvPr>
+          <p:cNvSpPr/>
+          <p:nvPr/>
+        </p:nvSpPr>
+        <p:spPr>
+          <a:xfrm>
+            <a:off x="5836018" y="3526072"/>
+            <a:ext cx="519964" cy="519964"/>
+          </a:xfrm>
+          <a:prstGeom prst="mathPlus">
+            <a:avLst/>
+          </a:prstGeom>
+        </p:spPr>
+        <p:style>
+          <a:lnRef idx="2">
+            <a:schemeClr val="dk1">
+              <a:shade val="15000"/>
+            </a:schemeClr>
+          </a:lnRef>
+          <a:fillRef idx="1">
+            <a:schemeClr val="dk1"/>
+          </a:fillRef>
+          <a:effectRef idx="0">
+            <a:schemeClr val="dk1"/>
+          </a:effectRef>
+          <a:fontRef idx="minor">
+            <a:schemeClr val="lt1"/>
+          </a:fontRef>
+        </p:style>
+        <p:txBody>
+          <a:bodyPr rtlCol="0" anchor="ctr"/>
+          <a:lstStyle/>
+          <a:p>
+            <a:pPr algn="ctr"/>
+            <a:endParaRPr lang="en-TW"/>
+          </a:p>
+        </p:txBody>
+      </p:sp>
+      <p:sp>
+        <p:nvSpPr>
+          <p:cNvPr id="18" name="TextBox 17">
+            <a:extLst>
+              <a:ext uri="{FF2B5EF4-FFF2-40B4-BE49-F238E27FC236}">
+                <a16:creationId xmlns:a16="http://schemas.microsoft.com/office/drawing/2014/main" id="{676BA188-2E6F-E484-4D2B-D798479F514B}"/>
               </a:ext>
             </a:extLst>
           </p:cNvPr>
@@ -7324,8 +7527,8 @@
         </p:nvSpPr>
         <p:spPr>
           <a:xfrm>
-            <a:off x="6356502" y="6291272"/>
-            <a:ext cx="1156086" cy="400110"/>
+            <a:off x="10400371" y="4869440"/>
+            <a:ext cx="1094017" cy="369332"/>
           </a:xfrm>
           <a:prstGeom prst="rect">
             <a:avLst/>
@@ -7339,21 +7542,110 @@
           <a:lstStyle/>
           <a:p>
             <a:r>
-              <a:rPr lang="en-US" dirty="0"/>
-              <a:t>Endless </a:t>
-            </a:r>
-            <a:r>
-              <a:rPr lang="en-US" sz="2000" b="1" dirty="0"/>
-              <a:t>∞</a:t>
-            </a:r>
-            <a:endParaRPr lang="en-TW" b="1" dirty="0"/>
-          </a:p>
-        </p:txBody>
-      </p:sp>
+              <a:rPr lang="en-TW" dirty="0"/>
+              <a:t>API tester</a:t>
+            </a:r>
+          </a:p>
+        </p:txBody>
+      </p:sp>
+      <p:pic>
+        <p:nvPicPr>
+          <p:cNvPr id="5126" name="Picture 6" descr="Postman Public API Network Now the World's Largest Public API Hub |  Business Wire">
+            <a:extLst>
+              <a:ext uri="{FF2B5EF4-FFF2-40B4-BE49-F238E27FC236}">
+                <a16:creationId xmlns:a16="http://schemas.microsoft.com/office/drawing/2014/main" id="{DD62E468-B453-EEE0-4CB6-7211F2B9093C}"/>
+              </a:ext>
+            </a:extLst>
+          </p:cNvPr>
+          <p:cNvPicPr>
+            <a:picLocks noChangeAspect="1" noChangeArrowheads="1"/>
+          </p:cNvPicPr>
+          <p:nvPr/>
+        </p:nvPicPr>
+        <p:blipFill>
+          <a:blip r:embed="rId6">
+            <a:extLst>
+              <a:ext uri="{28A0092B-C50C-407E-A947-70E740481C1C}">
+                <a14:useLocalDpi xmlns:a14="http://schemas.microsoft.com/office/drawing/2010/main" val="0"/>
+              </a:ext>
+            </a:extLst>
+          </a:blip>
+          <a:srcRect/>
+          <a:stretch>
+            <a:fillRect/>
+          </a:stretch>
+        </p:blipFill>
+        <p:spPr bwMode="auto">
+          <a:xfrm>
+            <a:off x="2732048" y="4398041"/>
+            <a:ext cx="2642840" cy="1321421"/>
+          </a:xfrm>
+          <a:prstGeom prst="rect">
+            <a:avLst/>
+          </a:prstGeom>
+          <a:noFill/>
+          <a:extLst>
+            <a:ext uri="{909E8E84-426E-40DD-AFC4-6F175D3DCCD1}">
+              <a14:hiddenFill xmlns:a14="http://schemas.microsoft.com/office/drawing/2010/main">
+                <a:solidFill>
+                  <a:srgbClr val="FFFFFF"/>
+                </a:solidFill>
+              </a14:hiddenFill>
+            </a:ext>
+          </a:extLst>
+        </p:spPr>
+      </p:pic>
+      <p:pic>
+        <p:nvPicPr>
+          <p:cNvPr id="5128" name="Picture 8" descr="soapUI: A Comprehensive Tool for Testing and Validating SOAP and REST APIs">
+            <a:extLst>
+              <a:ext uri="{FF2B5EF4-FFF2-40B4-BE49-F238E27FC236}">
+                <a16:creationId xmlns:a16="http://schemas.microsoft.com/office/drawing/2014/main" id="{1F0CB92D-6DF6-401F-1E20-E6CBEC37B8A1}"/>
+              </a:ext>
+            </a:extLst>
+          </p:cNvPr>
+          <p:cNvPicPr>
+            <a:picLocks noChangeAspect="1" noChangeArrowheads="1"/>
+          </p:cNvPicPr>
+          <p:nvPr/>
+        </p:nvPicPr>
+        <p:blipFill>
+          <a:blip r:embed="rId7">
+            <a:extLst>
+              <a:ext uri="{28A0092B-C50C-407E-A947-70E740481C1C}">
+                <a14:useLocalDpi xmlns:a14="http://schemas.microsoft.com/office/drawing/2010/main" val="0"/>
+              </a:ext>
+            </a:extLst>
+          </a:blip>
+          <a:srcRect/>
+          <a:stretch>
+            <a:fillRect/>
+          </a:stretch>
+        </p:blipFill>
+        <p:spPr bwMode="auto">
+          <a:xfrm>
+            <a:off x="6315307" y="4536875"/>
+            <a:ext cx="3232752" cy="994661"/>
+          </a:xfrm>
+          <a:prstGeom prst="rect">
+            <a:avLst/>
+          </a:prstGeom>
+          <a:noFill/>
+          <a:extLst>
+            <a:ext uri="{909E8E84-426E-40DD-AFC4-6F175D3DCCD1}">
+              <a14:hiddenFill xmlns:a14="http://schemas.microsoft.com/office/drawing/2010/main">
+                <a:solidFill>
+                  <a:srgbClr val="FFFFFF"/>
+                </a:solidFill>
+              </a14:hiddenFill>
+            </a:ext>
+          </a:extLst>
+        </p:spPr>
+      </p:pic>
     </p:spTree>
     <p:extLst>
       <p:ext uri="{BB962C8B-B14F-4D97-AF65-F5344CB8AC3E}">
-        <p14:creationId xmlns:p14="http://schemas.microsoft.com/office/powerpoint/2010/main" val="2082489463"/>
+        <p14:creationId xmlns:p14="http://schemas.microsoft.com/office/powerpoint/2010/main" val="1656173419"/>
       </p:ext>
     </p:extLst>
   </p:cSld>
@@ -7383,7 +7675,7 @@
         <p:cNvPr id="1" name="">
           <a:extLst>
             <a:ext uri="{FF2B5EF4-FFF2-40B4-BE49-F238E27FC236}">
-              <a16:creationId xmlns:a16="http://schemas.microsoft.com/office/drawing/2014/main" id="{E1D79C99-E487-03EC-3396-A5E0AF5C6EF4}"/>
+              <a16:creationId xmlns:a16="http://schemas.microsoft.com/office/drawing/2014/main" id="{1D2430CC-48E5-E242-0F5C-3978E2D15926}"/>
             </a:ext>
           </a:extLst>
         </p:cNvPr>
@@ -7403,7 +7695,7 @@
           <p:cNvPr id="13" name="Title 1">
             <a:extLst>
               <a:ext uri="{FF2B5EF4-FFF2-40B4-BE49-F238E27FC236}">
-                <a16:creationId xmlns:a16="http://schemas.microsoft.com/office/drawing/2014/main" id="{AE574ACC-DEE0-0EEE-C221-27690A4E8926}"/>
+                <a16:creationId xmlns:a16="http://schemas.microsoft.com/office/drawing/2014/main" id="{4A3DBEFA-4231-AD0C-7241-FEE26CB910CC}"/>
               </a:ext>
             </a:extLst>
           </p:cNvPr>
@@ -7447,17 +7739,17 @@
           <a:p>
             <a:r>
               <a:rPr lang="en-TW" b="1" dirty="0"/>
-              <a:t>Backend</a:t>
+              <a:t>Deployment</a:t>
             </a:r>
           </a:p>
         </p:txBody>
       </p:sp>
       <p:pic>
         <p:nvPicPr>
-          <p:cNvPr id="5" name="Picture 2" descr="Node.js - Wikipedia">
-            <a:extLst>
-              <a:ext uri="{FF2B5EF4-FFF2-40B4-BE49-F238E27FC236}">
-                <a16:creationId xmlns:a16="http://schemas.microsoft.com/office/drawing/2014/main" id="{39C6BD79-B4EA-68E7-38BF-E55029C9E1B8}"/>
+          <p:cNvPr id="9218" name="Picture 2" descr="Vercel: What is it and what is it for?">
+            <a:extLst>
+              <a:ext uri="{FF2B5EF4-FFF2-40B4-BE49-F238E27FC236}">
+                <a16:creationId xmlns:a16="http://schemas.microsoft.com/office/drawing/2014/main" id="{1DE1F2AA-8F3E-C1E9-7E63-0978AC2C215F}"/>
               </a:ext>
             </a:extLst>
           </p:cNvPr>
@@ -7466,7 +7758,7 @@
           </p:cNvPicPr>
           <p:nvPr/>
         </p:nvPicPr>
-        <p:blipFill rotWithShape="1">
+        <p:blipFill>
           <a:blip r:embed="rId2">
             <a:extLst>
               <a:ext uri="{28A0092B-C50C-407E-A947-70E740481C1C}">
@@ -7474,13 +7766,15 @@
               </a:ext>
             </a:extLst>
           </a:blip>
-          <a:srcRect l="35405" t="62411" r="33514"/>
-          <a:stretch/>
+          <a:srcRect/>
+          <a:stretch>
+            <a:fillRect/>
+          </a:stretch>
         </p:blipFill>
         <p:spPr bwMode="auto">
           <a:xfrm>
-            <a:off x="5499760" y="1953113"/>
-            <a:ext cx="1631095" cy="1208257"/>
+            <a:off x="1262519" y="2715322"/>
+            <a:ext cx="3067870" cy="1953941"/>
           </a:xfrm>
           <a:prstGeom prst="rect">
             <a:avLst/>
@@ -7499,10 +7793,10 @@
       </p:pic>
       <p:pic>
         <p:nvPicPr>
-          <p:cNvPr id="7" name="Picture 6">
-            <a:extLst>
-              <a:ext uri="{FF2B5EF4-FFF2-40B4-BE49-F238E27FC236}">
-                <a16:creationId xmlns:a16="http://schemas.microsoft.com/office/drawing/2014/main" id="{A23B3E8E-C6FB-8F19-2D42-8497FA9AD33F}"/>
+          <p:cNvPr id="9220" name="Picture 4" descr="Deploying a React app on GitHub Pages | by Chris Achinga | DevCNairobi |  Medium">
+            <a:extLst>
+              <a:ext uri="{FF2B5EF4-FFF2-40B4-BE49-F238E27FC236}">
+                <a16:creationId xmlns:a16="http://schemas.microsoft.com/office/drawing/2014/main" id="{B94E353F-9D47-CFBF-15AE-F4D892973874}"/>
               </a:ext>
             </a:extLst>
           </p:cNvPr>
@@ -7511,7 +7805,7 @@
           </p:cNvPicPr>
           <p:nvPr/>
         </p:nvPicPr>
-        <p:blipFill>
+        <p:blipFill rotWithShape="1">
           <a:blip r:embed="rId3">
             <a:extLst>
               <a:ext uri="{28A0092B-C50C-407E-A947-70E740481C1C}">
@@ -7519,15 +7813,13 @@
               </a:ext>
             </a:extLst>
           </a:blip>
-          <a:srcRect/>
-          <a:stretch>
-            <a:fillRect/>
-          </a:stretch>
+          <a:srcRect l="30576" t="21615" r="29542" b="27966"/>
+          <a:stretch/>
         </p:blipFill>
         <p:spPr bwMode="auto">
           <a:xfrm>
-            <a:off x="7877840" y="2181711"/>
-            <a:ext cx="2158211" cy="751057"/>
+            <a:off x="5187175" y="2860288"/>
+            <a:ext cx="2007220" cy="1427356"/>
           </a:xfrm>
           <a:prstGeom prst="rect">
             <a:avLst/>
@@ -7546,272 +7838,10 @@
       </p:pic>
       <p:pic>
         <p:nvPicPr>
-          <p:cNvPr id="8" name="Graphic 7">
-            <a:extLst>
-              <a:ext uri="{FF2B5EF4-FFF2-40B4-BE49-F238E27FC236}">
-                <a16:creationId xmlns:a16="http://schemas.microsoft.com/office/drawing/2014/main" id="{AD9FCEE2-136F-9E35-165E-6A77FC7A85A8}"/>
-              </a:ext>
-            </a:extLst>
-          </p:cNvPr>
-          <p:cNvPicPr>
-            <a:picLocks noChangeAspect="1"/>
-          </p:cNvPicPr>
-          <p:nvPr/>
-        </p:nvPicPr>
-        <p:blipFill>
-          <a:blip r:embed="rId4">
-            <a:extLst>
-              <a:ext uri="{96DAC541-7B7A-43D3-8B79-37D633B846F1}">
-                <asvg:svgBlip xmlns:asvg="http://schemas.microsoft.com/office/drawing/2016/SVG/main" r:embed="rId5"/>
-              </a:ext>
-            </a:extLst>
-          </a:blip>
-          <a:stretch>
-            <a:fillRect/>
-          </a:stretch>
-        </p:blipFill>
-        <p:spPr>
-          <a:xfrm>
-            <a:off x="2125032" y="2025333"/>
-            <a:ext cx="2718640" cy="1063815"/>
-          </a:xfrm>
-          <a:prstGeom prst="rect">
-            <a:avLst/>
-          </a:prstGeom>
-        </p:spPr>
-      </p:pic>
-      <p:sp>
-        <p:nvSpPr>
-          <p:cNvPr id="10" name="Rounded Rectangle 9">
-            <a:extLst>
-              <a:ext uri="{FF2B5EF4-FFF2-40B4-BE49-F238E27FC236}">
-                <a16:creationId xmlns:a16="http://schemas.microsoft.com/office/drawing/2014/main" id="{B73B2F17-C2BF-321E-4C70-60F3E94308C3}"/>
-              </a:ext>
-            </a:extLst>
-          </p:cNvPr>
-          <p:cNvSpPr/>
-          <p:nvPr/>
-        </p:nvSpPr>
-        <p:spPr>
-          <a:xfrm>
-            <a:off x="1791629" y="1588411"/>
-            <a:ext cx="8608742" cy="1840590"/>
-          </a:xfrm>
-          <a:prstGeom prst="roundRect">
-            <a:avLst/>
-          </a:prstGeom>
-          <a:noFill/>
-          <a:ln w="38100">
-            <a:solidFill>
-              <a:schemeClr val="tx1">
-                <a:lumMod val="75000"/>
-                <a:lumOff val="25000"/>
-              </a:schemeClr>
-            </a:solidFill>
-          </a:ln>
-        </p:spPr>
-        <p:style>
-          <a:lnRef idx="2">
-            <a:schemeClr val="accent1">
-              <a:shade val="15000"/>
-            </a:schemeClr>
-          </a:lnRef>
-          <a:fillRef idx="1">
-            <a:schemeClr val="accent1"/>
-          </a:fillRef>
-          <a:effectRef idx="0">
-            <a:schemeClr val="accent1"/>
-          </a:effectRef>
-          <a:fontRef idx="minor">
-            <a:schemeClr val="lt1"/>
-          </a:fontRef>
-        </p:style>
-        <p:txBody>
-          <a:bodyPr rtlCol="0" anchor="ctr"/>
-          <a:lstStyle/>
-          <a:p>
-            <a:pPr algn="ctr"/>
-            <a:endParaRPr lang="en-TW"/>
-          </a:p>
-        </p:txBody>
-      </p:sp>
-      <p:sp>
-        <p:nvSpPr>
-          <p:cNvPr id="11" name="TextBox 10">
-            <a:extLst>
-              <a:ext uri="{FF2B5EF4-FFF2-40B4-BE49-F238E27FC236}">
-                <a16:creationId xmlns:a16="http://schemas.microsoft.com/office/drawing/2014/main" id="{7AE35620-C3D5-57C7-DAD4-E5956D4409E8}"/>
-              </a:ext>
-            </a:extLst>
-          </p:cNvPr>
-          <p:cNvSpPr txBox="1"/>
-          <p:nvPr/>
-        </p:nvSpPr>
-        <p:spPr>
-          <a:xfrm>
-            <a:off x="10400371" y="2324040"/>
-            <a:ext cx="1244251" cy="369332"/>
-          </a:xfrm>
-          <a:prstGeom prst="rect">
-            <a:avLst/>
-          </a:prstGeom>
-          <a:noFill/>
-        </p:spPr>
-        <p:txBody>
-          <a:bodyPr wrap="none" rtlCol="0">
-            <a:spAutoFit/>
-          </a:bodyPr>
-          <a:lstStyle/>
-          <a:p>
-            <a:r>
-              <a:rPr lang="en-TW" dirty="0"/>
-              <a:t>Framework</a:t>
-            </a:r>
-          </a:p>
-        </p:txBody>
-      </p:sp>
-      <p:sp>
-        <p:nvSpPr>
-          <p:cNvPr id="12" name="Rounded Rectangle 11">
-            <a:extLst>
-              <a:ext uri="{FF2B5EF4-FFF2-40B4-BE49-F238E27FC236}">
-                <a16:creationId xmlns:a16="http://schemas.microsoft.com/office/drawing/2014/main" id="{D2A5950F-6E8B-546D-A82A-583FE40EDC78}"/>
-              </a:ext>
-            </a:extLst>
-          </p:cNvPr>
-          <p:cNvSpPr/>
-          <p:nvPr/>
-        </p:nvSpPr>
-        <p:spPr>
-          <a:xfrm>
-            <a:off x="1791629" y="4133811"/>
-            <a:ext cx="8608742" cy="1840590"/>
-          </a:xfrm>
-          <a:prstGeom prst="roundRect">
-            <a:avLst/>
-          </a:prstGeom>
-          <a:noFill/>
-          <a:ln w="38100">
-            <a:solidFill>
-              <a:schemeClr val="tx1">
-                <a:lumMod val="75000"/>
-                <a:lumOff val="25000"/>
-              </a:schemeClr>
-            </a:solidFill>
-          </a:ln>
-        </p:spPr>
-        <p:style>
-          <a:lnRef idx="2">
-            <a:schemeClr val="accent1">
-              <a:shade val="15000"/>
-            </a:schemeClr>
-          </a:lnRef>
-          <a:fillRef idx="1">
-            <a:schemeClr val="accent1"/>
-          </a:fillRef>
-          <a:effectRef idx="0">
-            <a:schemeClr val="accent1"/>
-          </a:effectRef>
-          <a:fontRef idx="minor">
-            <a:schemeClr val="lt1"/>
-          </a:fontRef>
-        </p:style>
-        <p:txBody>
-          <a:bodyPr rtlCol="0" anchor="ctr"/>
-          <a:lstStyle/>
-          <a:p>
-            <a:pPr algn="ctr"/>
-            <a:endParaRPr lang="en-TW"/>
-          </a:p>
-        </p:txBody>
-      </p:sp>
-      <p:sp>
-        <p:nvSpPr>
-          <p:cNvPr id="15" name="Plus 14">
-            <a:extLst>
-              <a:ext uri="{FF2B5EF4-FFF2-40B4-BE49-F238E27FC236}">
-                <a16:creationId xmlns:a16="http://schemas.microsoft.com/office/drawing/2014/main" id="{17BF3F6F-B6D7-5AAC-5394-61F035AC1EBC}"/>
-              </a:ext>
-            </a:extLst>
-          </p:cNvPr>
-          <p:cNvSpPr/>
-          <p:nvPr/>
-        </p:nvSpPr>
-        <p:spPr>
-          <a:xfrm>
-            <a:off x="5836018" y="3526072"/>
-            <a:ext cx="519964" cy="519964"/>
-          </a:xfrm>
-          <a:prstGeom prst="mathPlus">
-            <a:avLst/>
-          </a:prstGeom>
-        </p:spPr>
-        <p:style>
-          <a:lnRef idx="2">
-            <a:schemeClr val="dk1">
-              <a:shade val="15000"/>
-            </a:schemeClr>
-          </a:lnRef>
-          <a:fillRef idx="1">
-            <a:schemeClr val="dk1"/>
-          </a:fillRef>
-          <a:effectRef idx="0">
-            <a:schemeClr val="dk1"/>
-          </a:effectRef>
-          <a:fontRef idx="minor">
-            <a:schemeClr val="lt1"/>
-          </a:fontRef>
-        </p:style>
-        <p:txBody>
-          <a:bodyPr rtlCol="0" anchor="ctr"/>
-          <a:lstStyle/>
-          <a:p>
-            <a:pPr algn="ctr"/>
-            <a:endParaRPr lang="en-TW"/>
-          </a:p>
-        </p:txBody>
-      </p:sp>
-      <p:sp>
-        <p:nvSpPr>
-          <p:cNvPr id="18" name="TextBox 17">
-            <a:extLst>
-              <a:ext uri="{FF2B5EF4-FFF2-40B4-BE49-F238E27FC236}">
-                <a16:creationId xmlns:a16="http://schemas.microsoft.com/office/drawing/2014/main" id="{676BA188-2E6F-E484-4D2B-D798479F514B}"/>
-              </a:ext>
-            </a:extLst>
-          </p:cNvPr>
-          <p:cNvSpPr txBox="1"/>
-          <p:nvPr/>
-        </p:nvSpPr>
-        <p:spPr>
-          <a:xfrm>
-            <a:off x="10400371" y="4869440"/>
-            <a:ext cx="1094017" cy="369332"/>
-          </a:xfrm>
-          <a:prstGeom prst="rect">
-            <a:avLst/>
-          </a:prstGeom>
-          <a:noFill/>
-        </p:spPr>
-        <p:txBody>
-          <a:bodyPr wrap="none" rtlCol="0">
-            <a:spAutoFit/>
-          </a:bodyPr>
-          <a:lstStyle/>
-          <a:p>
-            <a:r>
-              <a:rPr lang="en-TW" dirty="0"/>
-              <a:t>API tester</a:t>
-            </a:r>
-          </a:p>
-        </p:txBody>
-      </p:sp>
-      <p:pic>
-        <p:nvPicPr>
-          <p:cNvPr id="5126" name="Picture 6" descr="Postman Public API Network Now the World's Largest Public API Hub |  Business Wire">
-            <a:extLst>
-              <a:ext uri="{FF2B5EF4-FFF2-40B4-BE49-F238E27FC236}">
-                <a16:creationId xmlns:a16="http://schemas.microsoft.com/office/drawing/2014/main" id="{DD62E468-B453-EEE0-4CB6-7211F2B9093C}"/>
+          <p:cNvPr id="9222" name="Picture 6" descr="Let us know about App Engine | DevelopersIO">
+            <a:extLst>
+              <a:ext uri="{FF2B5EF4-FFF2-40B4-BE49-F238E27FC236}">
+                <a16:creationId xmlns:a16="http://schemas.microsoft.com/office/drawing/2014/main" id="{B419E361-A7F8-99D6-CE34-80AC63D47332}"/>
               </a:ext>
             </a:extLst>
           </p:cNvPr>
@@ -7820,23 +7850,21 @@
           </p:cNvPicPr>
           <p:nvPr/>
         </p:nvPicPr>
-        <p:blipFill>
-          <a:blip r:embed="rId6">
+        <p:blipFill rotWithShape="1">
+          <a:blip r:embed="rId4">
             <a:extLst>
               <a:ext uri="{28A0092B-C50C-407E-A947-70E740481C1C}">
                 <a14:useLocalDpi xmlns:a14="http://schemas.microsoft.com/office/drawing/2010/main" val="0"/>
               </a:ext>
             </a:extLst>
           </a:blip>
-          <a:srcRect/>
-          <a:stretch>
-            <a:fillRect/>
-          </a:stretch>
+          <a:srcRect l="8435" t="23261" r="7111" b="26294"/>
+          <a:stretch/>
         </p:blipFill>
         <p:spPr bwMode="auto">
           <a:xfrm>
-            <a:off x="2732048" y="4398041"/>
-            <a:ext cx="2642840" cy="1321421"/>
+            <a:off x="8051181" y="3153478"/>
+            <a:ext cx="3436434" cy="1077627"/>
           </a:xfrm>
           <a:prstGeom prst="rect">
             <a:avLst/>
@@ -7853,57 +7881,10 @@
           </a:extLst>
         </p:spPr>
       </p:pic>
-      <p:pic>
-        <p:nvPicPr>
-          <p:cNvPr id="5128" name="Picture 8" descr="soapUI: A Comprehensive Tool for Testing and Validating SOAP and REST APIs">
-            <a:extLst>
-              <a:ext uri="{FF2B5EF4-FFF2-40B4-BE49-F238E27FC236}">
-                <a16:creationId xmlns:a16="http://schemas.microsoft.com/office/drawing/2014/main" id="{1F0CB92D-6DF6-401F-1E20-E6CBEC37B8A1}"/>
-              </a:ext>
-            </a:extLst>
-          </p:cNvPr>
-          <p:cNvPicPr>
-            <a:picLocks noChangeAspect="1" noChangeArrowheads="1"/>
-          </p:cNvPicPr>
-          <p:nvPr/>
-        </p:nvPicPr>
-        <p:blipFill>
-          <a:blip r:embed="rId7">
-            <a:extLst>
-              <a:ext uri="{28A0092B-C50C-407E-A947-70E740481C1C}">
-                <a14:useLocalDpi xmlns:a14="http://schemas.microsoft.com/office/drawing/2010/main" val="0"/>
-              </a:ext>
-            </a:extLst>
-          </a:blip>
-          <a:srcRect/>
-          <a:stretch>
-            <a:fillRect/>
-          </a:stretch>
-        </p:blipFill>
-        <p:spPr bwMode="auto">
-          <a:xfrm>
-            <a:off x="6315307" y="4536875"/>
-            <a:ext cx="3232752" cy="994661"/>
-          </a:xfrm>
-          <a:prstGeom prst="rect">
-            <a:avLst/>
-          </a:prstGeom>
-          <a:noFill/>
-          <a:extLst>
-            <a:ext uri="{909E8E84-426E-40DD-AFC4-6F175D3DCCD1}">
-              <a14:hiddenFill xmlns:a14="http://schemas.microsoft.com/office/drawing/2010/main">
-                <a:solidFill>
-                  <a:srgbClr val="FFFFFF"/>
-                </a:solidFill>
-              </a14:hiddenFill>
-            </a:ext>
-          </a:extLst>
-        </p:spPr>
-      </p:pic>
     </p:spTree>
     <p:extLst>
       <p:ext uri="{BB962C8B-B14F-4D97-AF65-F5344CB8AC3E}">
-        <p14:creationId xmlns:p14="http://schemas.microsoft.com/office/powerpoint/2010/main" val="1656173419"/>
+        <p14:creationId xmlns:p14="http://schemas.microsoft.com/office/powerpoint/2010/main" val="4273343000"/>
       </p:ext>
     </p:extLst>
   </p:cSld>
@@ -7933,7 +7914,7 @@
         <p:cNvPr id="1" name="">
           <a:extLst>
             <a:ext uri="{FF2B5EF4-FFF2-40B4-BE49-F238E27FC236}">
-              <a16:creationId xmlns:a16="http://schemas.microsoft.com/office/drawing/2014/main" id="{1D2430CC-48E5-E242-0F5C-3978E2D15926}"/>
+              <a16:creationId xmlns:a16="http://schemas.microsoft.com/office/drawing/2014/main" id="{3939912A-D399-DCBC-3063-0FA7D60118C2}"/>
             </a:ext>
           </a:extLst>
         </p:cNvPr>
@@ -7953,7 +7934,7 @@
           <p:cNvPr id="13" name="Title 1">
             <a:extLst>
               <a:ext uri="{FF2B5EF4-FFF2-40B4-BE49-F238E27FC236}">
-                <a16:creationId xmlns:a16="http://schemas.microsoft.com/office/drawing/2014/main" id="{4A3DBEFA-4231-AD0C-7241-FEE26CB910CC}"/>
+                <a16:creationId xmlns:a16="http://schemas.microsoft.com/office/drawing/2014/main" id="{E19F00E0-573C-4D2F-597F-AD4E829EB3F9}"/>
               </a:ext>
             </a:extLst>
           </p:cNvPr>
@@ -7997,152 +7978,84 @@
           <a:p>
             <a:r>
               <a:rPr lang="en-TW" b="1" dirty="0"/>
-              <a:t>Deployment</a:t>
-            </a:r>
-          </a:p>
-        </p:txBody>
-      </p:sp>
-      <p:pic>
-        <p:nvPicPr>
-          <p:cNvPr id="9218" name="Picture 2" descr="Vercel: What is it and what is it for?">
-            <a:extLst>
-              <a:ext uri="{FF2B5EF4-FFF2-40B4-BE49-F238E27FC236}">
-                <a16:creationId xmlns:a16="http://schemas.microsoft.com/office/drawing/2014/main" id="{1DE1F2AA-8F3E-C1E9-7E63-0978AC2C215F}"/>
-              </a:ext>
-            </a:extLst>
-          </p:cNvPr>
-          <p:cNvPicPr>
-            <a:picLocks noChangeAspect="1" noChangeArrowheads="1"/>
-          </p:cNvPicPr>
+              <a:t>Useful Tool</a:t>
+            </a:r>
+          </a:p>
+        </p:txBody>
+      </p:sp>
+      <p:sp>
+        <p:nvSpPr>
+          <p:cNvPr id="2" name="TextBox 1">
+            <a:extLst>
+              <a:ext uri="{FF2B5EF4-FFF2-40B4-BE49-F238E27FC236}">
+                <a16:creationId xmlns:a16="http://schemas.microsoft.com/office/drawing/2014/main" id="{2E6E3E0F-E1D2-C0E5-B61D-0287C810B144}"/>
+              </a:ext>
+            </a:extLst>
+          </p:cNvPr>
+          <p:cNvSpPr txBox="1"/>
           <p:nvPr/>
-        </p:nvPicPr>
-        <p:blipFill>
-          <a:blip r:embed="rId2">
-            <a:extLst>
-              <a:ext uri="{28A0092B-C50C-407E-A947-70E740481C1C}">
-                <a14:useLocalDpi xmlns:a14="http://schemas.microsoft.com/office/drawing/2010/main" val="0"/>
-              </a:ext>
-            </a:extLst>
-          </a:blip>
-          <a:srcRect/>
-          <a:stretch>
-            <a:fillRect/>
-          </a:stretch>
-        </p:blipFill>
-        <p:spPr bwMode="auto">
-          <a:xfrm>
-            <a:off x="1262519" y="2715322"/>
-            <a:ext cx="3067870" cy="1953941"/>
+        </p:nvSpPr>
+        <p:spPr>
+          <a:xfrm>
+            <a:off x="1349298" y="1561170"/>
+            <a:ext cx="4382428" cy="2556982"/>
           </a:xfrm>
           <a:prstGeom prst="rect">
             <a:avLst/>
           </a:prstGeom>
           <a:noFill/>
-          <a:extLst>
-            <a:ext uri="{909E8E84-426E-40DD-AFC4-6F175D3DCCD1}">
-              <a14:hiddenFill xmlns:a14="http://schemas.microsoft.com/office/drawing/2010/main">
-                <a:solidFill>
-                  <a:srgbClr val="FFFFFF"/>
-                </a:solidFill>
-              </a14:hiddenFill>
-            </a:ext>
-          </a:extLst>
-        </p:spPr>
-      </p:pic>
-      <p:pic>
-        <p:nvPicPr>
-          <p:cNvPr id="9220" name="Picture 4" descr="Deploying a React app on GitHub Pages | by Chris Achinga | DevCNairobi |  Medium">
-            <a:extLst>
-              <a:ext uri="{FF2B5EF4-FFF2-40B4-BE49-F238E27FC236}">
-                <a16:creationId xmlns:a16="http://schemas.microsoft.com/office/drawing/2014/main" id="{B94E353F-9D47-CFBF-15AE-F4D892973874}"/>
-              </a:ext>
-            </a:extLst>
-          </p:cNvPr>
-          <p:cNvPicPr>
-            <a:picLocks noChangeAspect="1" noChangeArrowheads="1"/>
-          </p:cNvPicPr>
-          <p:nvPr/>
-        </p:nvPicPr>
-        <p:blipFill rotWithShape="1">
-          <a:blip r:embed="rId3">
-            <a:extLst>
-              <a:ext uri="{28A0092B-C50C-407E-A947-70E740481C1C}">
-                <a14:useLocalDpi xmlns:a14="http://schemas.microsoft.com/office/drawing/2010/main" val="0"/>
-              </a:ext>
-            </a:extLst>
-          </a:blip>
-          <a:srcRect l="30576" t="21615" r="29542" b="27966"/>
-          <a:stretch/>
-        </p:blipFill>
-        <p:spPr bwMode="auto">
-          <a:xfrm>
-            <a:off x="5187175" y="2860288"/>
-            <a:ext cx="2007220" cy="1427356"/>
-          </a:xfrm>
-          <a:prstGeom prst="rect">
-            <a:avLst/>
-          </a:prstGeom>
-          <a:noFill/>
-          <a:extLst>
-            <a:ext uri="{909E8E84-426E-40DD-AFC4-6F175D3DCCD1}">
-              <a14:hiddenFill xmlns:a14="http://schemas.microsoft.com/office/drawing/2010/main">
-                <a:solidFill>
-                  <a:srgbClr val="FFFFFF"/>
-                </a:solidFill>
-              </a14:hiddenFill>
-            </a:ext>
-          </a:extLst>
-        </p:spPr>
-      </p:pic>
-      <p:pic>
-        <p:nvPicPr>
-          <p:cNvPr id="9222" name="Picture 6" descr="Let us know about App Engine | DevelopersIO">
-            <a:extLst>
-              <a:ext uri="{FF2B5EF4-FFF2-40B4-BE49-F238E27FC236}">
-                <a16:creationId xmlns:a16="http://schemas.microsoft.com/office/drawing/2014/main" id="{B419E361-A7F8-99D6-CE34-80AC63D47332}"/>
-              </a:ext>
-            </a:extLst>
-          </p:cNvPr>
-          <p:cNvPicPr>
-            <a:picLocks noChangeAspect="1" noChangeArrowheads="1"/>
-          </p:cNvPicPr>
-          <p:nvPr/>
-        </p:nvPicPr>
-        <p:blipFill rotWithShape="1">
-          <a:blip r:embed="rId4">
-            <a:extLst>
-              <a:ext uri="{28A0092B-C50C-407E-A947-70E740481C1C}">
-                <a14:useLocalDpi xmlns:a14="http://schemas.microsoft.com/office/drawing/2010/main" val="0"/>
-              </a:ext>
-            </a:extLst>
-          </a:blip>
-          <a:srcRect l="8435" t="23261" r="7111" b="26294"/>
-          <a:stretch/>
-        </p:blipFill>
-        <p:spPr bwMode="auto">
-          <a:xfrm>
-            <a:off x="8051181" y="3153478"/>
-            <a:ext cx="3436434" cy="1077627"/>
-          </a:xfrm>
-          <a:prstGeom prst="rect">
-            <a:avLst/>
-          </a:prstGeom>
-          <a:noFill/>
-          <a:extLst>
-            <a:ext uri="{909E8E84-426E-40DD-AFC4-6F175D3DCCD1}">
-              <a14:hiddenFill xmlns:a14="http://schemas.microsoft.com/office/drawing/2010/main">
-                <a:solidFill>
-                  <a:srgbClr val="FFFFFF"/>
-                </a:solidFill>
-              </a14:hiddenFill>
-            </a:ext>
-          </a:extLst>
-        </p:spPr>
-      </p:pic>
+        </p:spPr>
+        <p:txBody>
+          <a:bodyPr wrap="square" rtlCol="0">
+            <a:spAutoFit/>
+          </a:bodyPr>
+          <a:lstStyle/>
+          <a:p>
+            <a:pPr marL="285750" indent="-285750">
+              <a:lnSpc>
+                <a:spcPct val="200000"/>
+              </a:lnSpc>
+              <a:buFont typeface="Arial" panose="020B0604020202020204" pitchFamily="34" charset="0"/>
+              <a:buChar char="•"/>
+            </a:pPr>
+            <a:r>
+              <a:rPr lang="en-TW" sz="2800" dirty="0"/>
+              <a:t>Tailwind CSS</a:t>
+            </a:r>
+          </a:p>
+          <a:p>
+            <a:pPr marL="285750" indent="-285750">
+              <a:lnSpc>
+                <a:spcPct val="200000"/>
+              </a:lnSpc>
+              <a:buFont typeface="Arial" panose="020B0604020202020204" pitchFamily="34" charset="0"/>
+              <a:buChar char="•"/>
+            </a:pPr>
+            <a:r>
+              <a:rPr lang="en-TW" sz="2800" dirty="0"/>
+              <a:t>Material UI</a:t>
+            </a:r>
+          </a:p>
+          <a:p>
+            <a:pPr marL="285750" indent="-285750">
+              <a:lnSpc>
+                <a:spcPct val="200000"/>
+              </a:lnSpc>
+              <a:buFont typeface="Arial" panose="020B0604020202020204" pitchFamily="34" charset="0"/>
+              <a:buChar char="•"/>
+            </a:pPr>
+            <a:r>
+              <a:rPr lang="en-US" sz="2800" dirty="0" err="1"/>
+              <a:t>Neumorphism.io</a:t>
+            </a:r>
+            <a:endParaRPr lang="en-TW" sz="2800" dirty="0"/>
+          </a:p>
+        </p:txBody>
+      </p:sp>
     </p:spTree>
     <p:extLst>
       <p:ext uri="{BB962C8B-B14F-4D97-AF65-F5344CB8AC3E}">
-        <p14:creationId xmlns:p14="http://schemas.microsoft.com/office/powerpoint/2010/main" val="4273343000"/>
+        <p14:creationId xmlns:p14="http://schemas.microsoft.com/office/powerpoint/2010/main" val="2833631002"/>
       </p:ext>
     </p:extLst>
   </p:cSld>
